--- a/6 - Support Vector Machine/Support Vector Machine - Math.pptx
+++ b/6 - Support Vector Machine/Support Vector Machine - Math.pptx
@@ -13386,7 +13386,7 @@
           <a:p>
             <a:fld id="{F666E1FD-E7A0-497B-BBC0-740BAAC97C64}" type="datetimeFigureOut">
               <a:rPr lang="en-PH" smtClean="0"/>
-              <a:t>09/01/2024</a:t>
+              <a:t>7/11/24</a:t>
             </a:fld>
             <a:endParaRPr lang="en-PH"/>
           </a:p>
@@ -15565,9 +15565,9 @@
           <a:bodyPr/>
           <a:lstStyle/>
           <a:p>
-            <a:fld id="{0CCF0B81-6BD8-4C65-9459-815598C5F1F4}" type="datetimeFigureOut">
+            <a:fld id="{3AF2AE66-AA5B-6C41-833A-E6A597A96501}" type="datetime1">
               <a:rPr lang="en-PH" smtClean="0"/>
-              <a:t>09/01/2024</a:t>
+              <a:t>7/11/24</a:t>
             </a:fld>
             <a:endParaRPr lang="en-PH"/>
           </a:p>
@@ -15594,7 +15594,10 @@
           <a:bodyPr/>
           <a:lstStyle/>
           <a:p>
-            <a:endParaRPr lang="en-PH"/>
+            <a:r>
+              <a:rPr lang="en-PH"/>
+              <a:t>CCMACLRL</a:t>
+            </a:r>
           </a:p>
         </p:txBody>
       </p:sp>
@@ -15765,9 +15768,9 @@
           <a:bodyPr/>
           <a:lstStyle/>
           <a:p>
-            <a:fld id="{0CCF0B81-6BD8-4C65-9459-815598C5F1F4}" type="datetimeFigureOut">
+            <a:fld id="{3F636452-9ECF-EA45-B3CE-003DBE86A625}" type="datetime1">
               <a:rPr lang="en-PH" smtClean="0"/>
-              <a:t>09/01/2024</a:t>
+              <a:t>7/11/24</a:t>
             </a:fld>
             <a:endParaRPr lang="en-PH"/>
           </a:p>
@@ -15794,7 +15797,10 @@
           <a:bodyPr/>
           <a:lstStyle/>
           <a:p>
-            <a:endParaRPr lang="en-PH"/>
+            <a:r>
+              <a:rPr lang="en-PH"/>
+              <a:t>CCMACLRL</a:t>
+            </a:r>
           </a:p>
         </p:txBody>
       </p:sp>
@@ -15975,9 +15981,9 @@
           <a:bodyPr/>
           <a:lstStyle/>
           <a:p>
-            <a:fld id="{0CCF0B81-6BD8-4C65-9459-815598C5F1F4}" type="datetimeFigureOut">
+            <a:fld id="{467ED688-D35B-6D4D-9188-31614BD78963}" type="datetime1">
               <a:rPr lang="en-PH" smtClean="0"/>
-              <a:t>09/01/2024</a:t>
+              <a:t>7/11/24</a:t>
             </a:fld>
             <a:endParaRPr lang="en-PH"/>
           </a:p>
@@ -16004,7 +16010,10 @@
           <a:bodyPr/>
           <a:lstStyle/>
           <a:p>
-            <a:endParaRPr lang="en-PH"/>
+            <a:r>
+              <a:rPr lang="en-PH"/>
+              <a:t>CCMACLRL</a:t>
+            </a:r>
           </a:p>
         </p:txBody>
       </p:sp>
@@ -16175,9 +16184,9 @@
           <a:bodyPr/>
           <a:lstStyle/>
           <a:p>
-            <a:fld id="{0CCF0B81-6BD8-4C65-9459-815598C5F1F4}" type="datetimeFigureOut">
+            <a:fld id="{690B0D9C-43BD-4642-B29A-8DB768331D1F}" type="datetime1">
               <a:rPr lang="en-PH" smtClean="0"/>
-              <a:t>09/01/2024</a:t>
+              <a:t>7/11/24</a:t>
             </a:fld>
             <a:endParaRPr lang="en-PH"/>
           </a:p>
@@ -16204,7 +16213,10 @@
           <a:bodyPr/>
           <a:lstStyle/>
           <a:p>
-            <a:endParaRPr lang="en-PH"/>
+            <a:r>
+              <a:rPr lang="en-PH"/>
+              <a:t>CCMACLRL</a:t>
+            </a:r>
           </a:p>
         </p:txBody>
       </p:sp>
@@ -16451,9 +16463,9 @@
           <a:bodyPr/>
           <a:lstStyle/>
           <a:p>
-            <a:fld id="{0CCF0B81-6BD8-4C65-9459-815598C5F1F4}" type="datetimeFigureOut">
+            <a:fld id="{B386D1A3-A040-304D-B3D3-EC4286DE8DE8}" type="datetime1">
               <a:rPr lang="en-PH" smtClean="0"/>
-              <a:t>09/01/2024</a:t>
+              <a:t>7/11/24</a:t>
             </a:fld>
             <a:endParaRPr lang="en-PH"/>
           </a:p>
@@ -16480,7 +16492,10 @@
           <a:bodyPr/>
           <a:lstStyle/>
           <a:p>
-            <a:endParaRPr lang="en-PH"/>
+            <a:r>
+              <a:rPr lang="en-PH"/>
+              <a:t>CCMACLRL</a:t>
+            </a:r>
           </a:p>
         </p:txBody>
       </p:sp>
@@ -16719,9 +16734,9 @@
           <a:bodyPr/>
           <a:lstStyle/>
           <a:p>
-            <a:fld id="{0CCF0B81-6BD8-4C65-9459-815598C5F1F4}" type="datetimeFigureOut">
+            <a:fld id="{67BEEF24-9A08-AC47-8A7C-231D8EB1E74A}" type="datetime1">
               <a:rPr lang="en-PH" smtClean="0"/>
-              <a:t>09/01/2024</a:t>
+              <a:t>7/11/24</a:t>
             </a:fld>
             <a:endParaRPr lang="en-PH"/>
           </a:p>
@@ -16748,7 +16763,10 @@
           <a:bodyPr/>
           <a:lstStyle/>
           <a:p>
-            <a:endParaRPr lang="en-PH"/>
+            <a:r>
+              <a:rPr lang="en-PH"/>
+              <a:t>CCMACLRL</a:t>
+            </a:r>
           </a:p>
         </p:txBody>
       </p:sp>
@@ -17134,9 +17152,9 @@
           <a:bodyPr/>
           <a:lstStyle/>
           <a:p>
-            <a:fld id="{0CCF0B81-6BD8-4C65-9459-815598C5F1F4}" type="datetimeFigureOut">
+            <a:fld id="{922F0A59-DBB5-4241-BF67-709968856246}" type="datetime1">
               <a:rPr lang="en-PH" smtClean="0"/>
-              <a:t>09/01/2024</a:t>
+              <a:t>7/11/24</a:t>
             </a:fld>
             <a:endParaRPr lang="en-PH"/>
           </a:p>
@@ -17163,7 +17181,10 @@
           <a:bodyPr/>
           <a:lstStyle/>
           <a:p>
-            <a:endParaRPr lang="en-PH"/>
+            <a:r>
+              <a:rPr lang="en-PH"/>
+              <a:t>CCMACLRL</a:t>
+            </a:r>
           </a:p>
         </p:txBody>
       </p:sp>
@@ -17276,9 +17297,9 @@
           <a:bodyPr/>
           <a:lstStyle/>
           <a:p>
-            <a:fld id="{0CCF0B81-6BD8-4C65-9459-815598C5F1F4}" type="datetimeFigureOut">
+            <a:fld id="{6832C38A-85C8-6C4D-A86B-522EABF03E2C}" type="datetime1">
               <a:rPr lang="en-PH" smtClean="0"/>
-              <a:t>09/01/2024</a:t>
+              <a:t>7/11/24</a:t>
             </a:fld>
             <a:endParaRPr lang="en-PH"/>
           </a:p>
@@ -17305,7 +17326,10 @@
           <a:bodyPr/>
           <a:lstStyle/>
           <a:p>
-            <a:endParaRPr lang="en-PH"/>
+            <a:r>
+              <a:rPr lang="en-PH"/>
+              <a:t>CCMACLRL</a:t>
+            </a:r>
           </a:p>
         </p:txBody>
       </p:sp>
@@ -17389,9 +17413,9 @@
           <a:bodyPr/>
           <a:lstStyle/>
           <a:p>
-            <a:fld id="{0CCF0B81-6BD8-4C65-9459-815598C5F1F4}" type="datetimeFigureOut">
+            <a:fld id="{577FB982-8B61-A64A-9C66-17D09F1DBD30}" type="datetime1">
               <a:rPr lang="en-PH" smtClean="0"/>
-              <a:t>09/01/2024</a:t>
+              <a:t>7/11/24</a:t>
             </a:fld>
             <a:endParaRPr lang="en-PH"/>
           </a:p>
@@ -17418,7 +17442,10 @@
           <a:bodyPr/>
           <a:lstStyle/>
           <a:p>
-            <a:endParaRPr lang="en-PH"/>
+            <a:r>
+              <a:rPr lang="en-PH"/>
+              <a:t>CCMACLRL</a:t>
+            </a:r>
           </a:p>
         </p:txBody>
       </p:sp>
@@ -17702,9 +17729,9 @@
           <a:bodyPr/>
           <a:lstStyle/>
           <a:p>
-            <a:fld id="{0CCF0B81-6BD8-4C65-9459-815598C5F1F4}" type="datetimeFigureOut">
+            <a:fld id="{13275625-8D23-DF44-9961-C1A72961F700}" type="datetime1">
               <a:rPr lang="en-PH" smtClean="0"/>
-              <a:t>09/01/2024</a:t>
+              <a:t>7/11/24</a:t>
             </a:fld>
             <a:endParaRPr lang="en-PH"/>
           </a:p>
@@ -17731,7 +17758,10 @@
           <a:bodyPr/>
           <a:lstStyle/>
           <a:p>
-            <a:endParaRPr lang="en-PH"/>
+            <a:r>
+              <a:rPr lang="en-PH"/>
+              <a:t>CCMACLRL</a:t>
+            </a:r>
           </a:p>
         </p:txBody>
       </p:sp>
@@ -17991,9 +18021,9 @@
           <a:bodyPr/>
           <a:lstStyle/>
           <a:p>
-            <a:fld id="{0CCF0B81-6BD8-4C65-9459-815598C5F1F4}" type="datetimeFigureOut">
+            <a:fld id="{E56578A8-38F8-BB49-B850-554B59EE0E84}" type="datetime1">
               <a:rPr lang="en-PH" smtClean="0"/>
-              <a:t>09/01/2024</a:t>
+              <a:t>7/11/24</a:t>
             </a:fld>
             <a:endParaRPr lang="en-PH"/>
           </a:p>
@@ -18020,7 +18050,10 @@
           <a:bodyPr/>
           <a:lstStyle/>
           <a:p>
-            <a:endParaRPr lang="en-PH"/>
+            <a:r>
+              <a:rPr lang="en-PH"/>
+              <a:t>CCMACLRL</a:t>
+            </a:r>
           </a:p>
         </p:txBody>
       </p:sp>
@@ -18234,9 +18267,9 @@
             </a:lvl1pPr>
           </a:lstStyle>
           <a:p>
-            <a:fld id="{0CCF0B81-6BD8-4C65-9459-815598C5F1F4}" type="datetimeFigureOut">
+            <a:fld id="{7F536BFB-CF64-5340-91AD-EDC539315FDC}" type="datetime1">
               <a:rPr lang="en-PH" smtClean="0"/>
-              <a:t>09/01/2024</a:t>
+              <a:t>7/11/24</a:t>
             </a:fld>
             <a:endParaRPr lang="en-PH"/>
           </a:p>
@@ -18281,7 +18314,10 @@
             </a:lvl1pPr>
           </a:lstStyle>
           <a:p>
-            <a:endParaRPr lang="en-PH"/>
+            <a:r>
+              <a:rPr lang="en-PH"/>
+              <a:t>CCMACLRL</a:t>
+            </a:r>
           </a:p>
         </p:txBody>
       </p:sp>
@@ -18353,6 +18389,7 @@
     <p:sldLayoutId id="2147483658" r:id="rId10"/>
     <p:sldLayoutId id="2147483659" r:id="rId11"/>
   </p:sldLayoutIdLst>
+  <p:hf sldNum="0" hdr="0" dt="0"/>
   <p:txStyles>
     <p:titleStyle>
       <a:lvl1pPr algn="l" defTabSz="914400" rtl="0" eaLnBrk="1" latinLnBrk="0" hangingPunct="1">
@@ -18803,13 +18840,18 @@
           <a:p>
             <a:pPr algn="r"/>
             <a:r>
-              <a:rPr lang="en-US" b="1" dirty="0">
+              <a:rPr lang="en-US" b="1">
                 <a:solidFill>
                   <a:schemeClr val="tx1"/>
                 </a:solidFill>
               </a:rPr>
-              <a:t>CCADMACL</a:t>
+              <a:t>CCMACLRL</a:t>
             </a:r>
+            <a:endParaRPr lang="en-US" b="1" dirty="0">
+              <a:solidFill>
+                <a:schemeClr val="tx1"/>
+              </a:solidFill>
+            </a:endParaRPr>
           </a:p>
         </p:txBody>
       </p:sp>
@@ -18893,12 +18935,12 @@
           <a:p>
             <a:pPr algn="r"/>
             <a:r>
-              <a:rPr lang="en-US" b="1" dirty="0">
+              <a:rPr lang="en-US" b="1">
                 <a:solidFill>
                   <a:schemeClr val="tx1"/>
                 </a:solidFill>
               </a:rPr>
-              <a:t>CCADMACL</a:t>
+              <a:t>CCMACLRL</a:t>
             </a:r>
             <a:endParaRPr lang="en-PH" dirty="0"/>
           </a:p>
@@ -20094,12 +20136,12 @@
           <a:p>
             <a:pPr algn="r"/>
             <a:r>
-              <a:rPr lang="en-US" b="1" dirty="0">
+              <a:rPr lang="en-US" b="1">
                 <a:solidFill>
                   <a:schemeClr val="tx1"/>
                 </a:solidFill>
               </a:rPr>
-              <a:t>CCADMACL</a:t>
+              <a:t>CCMACLRL</a:t>
             </a:r>
             <a:endParaRPr lang="en-PH" dirty="0"/>
           </a:p>
@@ -21615,12 +21657,12 @@
           <a:p>
             <a:pPr algn="r"/>
             <a:r>
-              <a:rPr lang="en-US" b="1" dirty="0">
+              <a:rPr lang="en-US" b="1">
                 <a:solidFill>
                   <a:schemeClr val="tx1"/>
                 </a:solidFill>
               </a:rPr>
-              <a:t>CCADMACL</a:t>
+              <a:t>CCMACLRL</a:t>
             </a:r>
             <a:endParaRPr lang="en-PH" dirty="0"/>
           </a:p>
@@ -22545,8 +22587,8 @@
           </a:fontRef>
         </p:style>
       </p:cxnSp>
-      <mc:AlternateContent xmlns:mc="http://schemas.openxmlformats.org/markup-compatibility/2006">
-        <mc:Choice xmlns:a14="http://schemas.microsoft.com/office/drawing/2010/main" Requires="a14">
+      <mc:AlternateContent xmlns:mc="http://schemas.openxmlformats.org/markup-compatibility/2006" xmlns:a14="http://schemas.microsoft.com/office/drawing/2010/main">
+        <mc:Choice Requires="a14">
           <p:sp>
             <p:nvSpPr>
               <p:cNvPr id="2" name="TextBox 1">
@@ -22581,6 +22623,7 @@
                 </a:r>
               </a:p>
               <a:p>
+                <a:pPr/>
                 <a14:m>
                   <m:oMathPara xmlns:m="http://schemas.openxmlformats.org/officeDocument/2006/math">
                     <m:oMathParaPr>
@@ -22659,7 +22702,7 @@
                           <a:latin typeface="Cambria Math" panose="02040503050406030204" pitchFamily="18" charset="0"/>
                           <a:ea typeface="Cambria Math" panose="02040503050406030204" pitchFamily="18" charset="0"/>
                         </a:rPr>
-                        <m:t> - </m:t>
+                        <m:t> − </m:t>
                       </m:r>
                       <m:r>
                         <m:rPr>
@@ -22762,6 +22805,7 @@
                 </a:endParaRPr>
               </a:p>
               <a:p>
+                <a:pPr/>
                 <a14:m>
                   <m:oMathPara xmlns:m="http://schemas.openxmlformats.org/officeDocument/2006/math">
                     <m:oMathParaPr>
@@ -22840,7 +22884,7 @@
                           <a:latin typeface="Cambria Math" panose="02040503050406030204" pitchFamily="18" charset="0"/>
                           <a:ea typeface="Cambria Math" panose="02040503050406030204" pitchFamily="18" charset="0"/>
                         </a:rPr>
-                        <m:t> - </m:t>
+                        <m:t> − </m:t>
                       </m:r>
                       <m:r>
                         <m:rPr>
@@ -22860,7 +22904,7 @@
                           <a:latin typeface="Cambria Math" panose="02040503050406030204" pitchFamily="18" charset="0"/>
                           <a:ea typeface="Cambria Math" panose="02040503050406030204" pitchFamily="18" charset="0"/>
                         </a:rPr>
-                        <m:t> ≤ -1, </m:t>
+                        <m:t> ≤ −1, </m:t>
                       </m:r>
                       <m:r>
                         <a:rPr lang="en-US" b="1" i="1" dirty="0" smtClean="0">
@@ -22923,7 +22967,7 @@
                           </a:solidFill>
                           <a:ea typeface="Cambria Math" panose="02040503050406030204" pitchFamily="18" charset="0"/>
                         </a:rPr>
-                        <m:t>-1</m:t>
+                        <m:t>−1</m:t>
                       </m:r>
                     </m:oMath>
                   </m:oMathPara>
@@ -22936,7 +22980,7 @@
             </p:txBody>
           </p:sp>
         </mc:Choice>
-        <mc:Fallback>
+        <mc:Fallback xmlns="">
           <p:sp>
             <p:nvSpPr>
               <p:cNvPr id="2" name="TextBox 1">
@@ -23217,1132 +23261,12 @@
           <a:p>
             <a:pPr algn="r"/>
             <a:r>
-              <a:rPr lang="en-US" b="1" dirty="0">
+              <a:rPr lang="en-US" b="1">
                 <a:solidFill>
                   <a:schemeClr val="tx1"/>
                 </a:solidFill>
               </a:rPr>
-              <a:t>CCADMACL</a:t>
-            </a:r>
-            <a:endParaRPr lang="en-PH" dirty="0"/>
-          </a:p>
-        </p:txBody>
-      </p:sp>
-      <p:sp>
-        <p:nvSpPr>
-          <p:cNvPr id="5" name="Title 1">
-            <a:extLst>
-              <a:ext uri="{FF2B5EF4-FFF2-40B4-BE49-F238E27FC236}">
-                <a16:creationId xmlns:a16="http://schemas.microsoft.com/office/drawing/2014/main" id="{3444037F-B658-D82C-5DCA-53E8AA1493D7}"/>
-              </a:ext>
-            </a:extLst>
-          </p:cNvPr>
-          <p:cNvSpPr txBox="1">
-            <a:spLocks/>
-          </p:cNvSpPr>
-          <p:nvPr/>
-        </p:nvSpPr>
-        <p:spPr>
-          <a:xfrm>
-            <a:off x="459203" y="1035133"/>
-            <a:ext cx="11273589" cy="4290585"/>
-          </a:xfrm>
-          <a:prstGeom prst="rect">
-            <a:avLst/>
-          </a:prstGeom>
-        </p:spPr>
-        <p:txBody>
-          <a:bodyPr vert="horz" lIns="91440" tIns="45720" rIns="91440" bIns="45720" rtlCol="0" anchor="b">
-            <a:normAutofit fontScale="97500"/>
-          </a:bodyPr>
-          <a:lstStyle>
-            <a:lvl1pPr algn="ctr" defTabSz="914400" rtl="0" eaLnBrk="1" latinLnBrk="0" hangingPunct="1">
-              <a:lnSpc>
-                <a:spcPct val="90000"/>
-              </a:lnSpc>
-              <a:spcBef>
-                <a:spcPct val="0"/>
-              </a:spcBef>
-              <a:buNone/>
-              <a:defRPr sz="6000" kern="1200">
-                <a:solidFill>
-                  <a:schemeClr val="tx1"/>
-                </a:solidFill>
-                <a:latin typeface="+mj-lt"/>
-                <a:ea typeface="+mj-ea"/>
-                <a:cs typeface="+mj-cs"/>
-              </a:defRPr>
-            </a:lvl1pPr>
-          </a:lstStyle>
-          <a:p>
-            <a:pPr algn="l"/>
-            <a:endParaRPr lang="en-US" sz="2800" dirty="0">
-              <a:solidFill>
-                <a:srgbClr val="636C8B"/>
-              </a:solidFill>
-              <a:latin typeface="Calibri Light (Headings)"/>
-            </a:endParaRPr>
-          </a:p>
-          <a:p>
-            <a:pPr algn="l"/>
-            <a:endParaRPr lang="en-US" sz="2800" dirty="0">
-              <a:solidFill>
-                <a:srgbClr val="636C8B"/>
-              </a:solidFill>
-              <a:latin typeface="Calibri Light (Headings)"/>
-            </a:endParaRPr>
-          </a:p>
-          <a:p>
-            <a:pPr algn="l"/>
-            <a:endParaRPr lang="en-US" sz="2800" dirty="0">
-              <a:solidFill>
-                <a:srgbClr val="636C8B"/>
-              </a:solidFill>
-              <a:latin typeface="Calibri Light (Headings)"/>
-            </a:endParaRPr>
-          </a:p>
-          <a:p>
-            <a:pPr algn="l"/>
-            <a:endParaRPr lang="en-US" sz="2800" dirty="0">
-              <a:solidFill>
-                <a:srgbClr val="636C8B"/>
-              </a:solidFill>
-              <a:latin typeface="Calibri Light (Headings)"/>
-            </a:endParaRPr>
-          </a:p>
-          <a:p>
-            <a:pPr algn="l"/>
-            <a:endParaRPr lang="en-US" sz="2800" dirty="0">
-              <a:solidFill>
-                <a:srgbClr val="636C8B"/>
-              </a:solidFill>
-              <a:latin typeface="Calibri Light (Headings)"/>
-            </a:endParaRPr>
-          </a:p>
-          <a:p>
-            <a:pPr algn="l"/>
-            <a:endParaRPr lang="en-US" sz="2800" dirty="0">
-              <a:solidFill>
-                <a:srgbClr val="636C8B"/>
-              </a:solidFill>
-              <a:latin typeface="Calibri Light (Headings)"/>
-            </a:endParaRPr>
-          </a:p>
-          <a:p>
-            <a:pPr algn="l"/>
-            <a:endParaRPr lang="en-US" sz="2800" dirty="0">
-              <a:solidFill>
-                <a:srgbClr val="636C8B"/>
-              </a:solidFill>
-              <a:latin typeface="Calibri Light (Headings)"/>
-            </a:endParaRPr>
-          </a:p>
-        </p:txBody>
-      </p:sp>
-      <p:sp>
-        <p:nvSpPr>
-          <p:cNvPr id="30" name="Title 1">
-            <a:extLst>
-              <a:ext uri="{FF2B5EF4-FFF2-40B4-BE49-F238E27FC236}">
-                <a16:creationId xmlns:a16="http://schemas.microsoft.com/office/drawing/2014/main" id="{CC6F9EBE-E470-10A5-2876-561F5BC5703F}"/>
-              </a:ext>
-            </a:extLst>
-          </p:cNvPr>
-          <p:cNvSpPr>
-            <a:spLocks noGrp="1"/>
-          </p:cNvSpPr>
-          <p:nvPr>
-            <p:ph type="ctrTitle"/>
-          </p:nvPr>
-        </p:nvSpPr>
-        <p:spPr>
-          <a:xfrm>
-            <a:off x="459203" y="241266"/>
-            <a:ext cx="11273589" cy="718459"/>
-          </a:xfrm>
-        </p:spPr>
-        <p:txBody>
-          <a:bodyPr>
-            <a:noAutofit/>
-          </a:bodyPr>
-          <a:lstStyle/>
-          <a:p>
-            <a:r>
-              <a:rPr lang="en-US" sz="5000" b="1" dirty="0"/>
-              <a:t>Hard Margin SVM Equation</a:t>
-            </a:r>
-            <a:endParaRPr lang="en-PH" sz="5000" b="1" dirty="0"/>
-          </a:p>
-        </p:txBody>
-      </p:sp>
-      <p:sp>
-        <p:nvSpPr>
-          <p:cNvPr id="23" name="TextBox 22">
-            <a:extLst>
-              <a:ext uri="{FF2B5EF4-FFF2-40B4-BE49-F238E27FC236}">
-                <a16:creationId xmlns:a16="http://schemas.microsoft.com/office/drawing/2014/main" id="{61D3D7BC-76A5-755B-4DAA-F0FAE606B511}"/>
-              </a:ext>
-            </a:extLst>
-          </p:cNvPr>
-          <p:cNvSpPr txBox="1"/>
-          <p:nvPr/>
-        </p:nvSpPr>
-        <p:spPr>
-          <a:xfrm>
-            <a:off x="1739897" y="1035133"/>
-            <a:ext cx="8712200" cy="1677382"/>
-          </a:xfrm>
-          <a:prstGeom prst="rect">
-            <a:avLst/>
-          </a:prstGeom>
-          <a:noFill/>
-        </p:spPr>
-        <p:txBody>
-          <a:bodyPr wrap="square" rtlCol="0">
-            <a:spAutoFit/>
-          </a:bodyPr>
-          <a:lstStyle/>
-          <a:p>
-            <a:endParaRPr lang="en-PH" sz="2500" b="1" dirty="0">
-              <a:solidFill>
-                <a:schemeClr val="tx1"/>
-              </a:solidFill>
-              <a:latin typeface="Cambria Math" panose="02040503050406030204" pitchFamily="18" charset="0"/>
-              <a:ea typeface="Cambria Math" panose="02040503050406030204" pitchFamily="18" charset="0"/>
-            </a:endParaRPr>
-          </a:p>
-          <a:p>
-            <a:pPr/>
-            <a:endParaRPr lang="en-PH" sz="2800" b="1" dirty="0">
-              <a:latin typeface="Cambria Math" panose="02040503050406030204" pitchFamily="18" charset="0"/>
-              <a:ea typeface="Cambria Math" panose="02040503050406030204" pitchFamily="18" charset="0"/>
-            </a:endParaRPr>
-          </a:p>
-          <a:p>
-            <a:pPr/>
-            <a:endParaRPr lang="en-PH" sz="2500" b="1" dirty="0">
-              <a:solidFill>
-                <a:schemeClr val="tx1"/>
-              </a:solidFill>
-              <a:latin typeface="Cambria Math" panose="02040503050406030204" pitchFamily="18" charset="0"/>
-              <a:ea typeface="Cambria Math" panose="02040503050406030204" pitchFamily="18" charset="0"/>
-            </a:endParaRPr>
-          </a:p>
-          <a:p>
-            <a:endParaRPr lang="en-PH" sz="2500" b="1" dirty="0">
-              <a:solidFill>
-                <a:schemeClr val="tx1"/>
-              </a:solidFill>
-              <a:latin typeface="Cambria Math" panose="02040503050406030204" pitchFamily="18" charset="0"/>
-              <a:ea typeface="Cambria Math" panose="02040503050406030204" pitchFamily="18" charset="0"/>
-            </a:endParaRPr>
-          </a:p>
-        </p:txBody>
-      </p:sp>
-      <p:sp>
-        <p:nvSpPr>
-          <p:cNvPr id="34" name="TextBox 33">
-            <a:extLst>
-              <a:ext uri="{FF2B5EF4-FFF2-40B4-BE49-F238E27FC236}">
-                <a16:creationId xmlns:a16="http://schemas.microsoft.com/office/drawing/2014/main" id="{ECF1A9F1-C7A9-93F7-201A-17BBE6EFDF62}"/>
-              </a:ext>
-            </a:extLst>
-          </p:cNvPr>
-          <p:cNvSpPr txBox="1"/>
-          <p:nvPr/>
-        </p:nvSpPr>
-        <p:spPr>
-          <a:xfrm>
-            <a:off x="812324" y="3311095"/>
-            <a:ext cx="10779127" cy="830997"/>
-          </a:xfrm>
-          <a:prstGeom prst="rect">
-            <a:avLst/>
-          </a:prstGeom>
-          <a:noFill/>
-        </p:spPr>
-        <p:txBody>
-          <a:bodyPr wrap="square">
-            <a:spAutoFit/>
-          </a:bodyPr>
-          <a:lstStyle/>
-          <a:p>
-            <a:r>
-              <a:rPr lang="en-US" sz="2400" dirty="0"/>
-              <a:t>These constraints state that each data point must lie on the correct side of the margin. These two conditions can be rewritten in a compact form</a:t>
-            </a:r>
-            <a:endParaRPr lang="en-PH" sz="2400" dirty="0"/>
-          </a:p>
-        </p:txBody>
-      </p:sp>
-      <mc:AlternateContent xmlns:mc="http://schemas.openxmlformats.org/markup-compatibility/2006">
-        <mc:Choice xmlns:a14="http://schemas.microsoft.com/office/drawing/2010/main" Requires="a14">
-          <p:sp>
-            <p:nvSpPr>
-              <p:cNvPr id="3" name="TextBox 2">
-                <a:extLst>
-                  <a:ext uri="{FF2B5EF4-FFF2-40B4-BE49-F238E27FC236}">
-                    <a16:creationId xmlns:a16="http://schemas.microsoft.com/office/drawing/2014/main" id="{248E754D-0A9C-3D12-8B2F-90BFA7408009}"/>
-                  </a:ext>
-                </a:extLst>
-              </p:cNvPr>
-              <p:cNvSpPr txBox="1"/>
-              <p:nvPr/>
-            </p:nvSpPr>
-            <p:spPr>
-              <a:xfrm>
-                <a:off x="748145" y="1335188"/>
-                <a:ext cx="10907486" cy="1754326"/>
-              </a:xfrm>
-              <a:prstGeom prst="rect">
-                <a:avLst/>
-              </a:prstGeom>
-              <a:noFill/>
-            </p:spPr>
-            <p:txBody>
-              <a:bodyPr wrap="square" rtlCol="0">
-                <a:spAutoFit/>
-              </a:bodyPr>
-              <a:lstStyle/>
-              <a:p>
-                <a:endParaRPr lang="en-US" b="1" dirty="0"/>
-              </a:p>
-              <a:p>
-                <a14:m>
-                  <m:oMathPara xmlns:m="http://schemas.openxmlformats.org/officeDocument/2006/math">
-                    <m:oMathParaPr>
-                      <m:jc m:val="centerGroup"/>
-                    </m:oMathParaPr>
-                    <m:oMath xmlns:m="http://schemas.openxmlformats.org/officeDocument/2006/math">
-                      <m:acc>
-                        <m:accPr>
-                          <m:chr m:val="⃗"/>
-                          <m:ctrlPr>
-                            <a:rPr lang="en-US" sz="3000" b="1" i="1" dirty="0" smtClean="0">
-                              <a:latin typeface="Cambria Math" panose="02040503050406030204" pitchFamily="18" charset="0"/>
-                              <a:ea typeface="Cambria Math" panose="02040503050406030204" pitchFamily="18" charset="0"/>
-                            </a:rPr>
-                          </m:ctrlPr>
-                        </m:accPr>
-                        <m:e>
-                          <m:r>
-                            <a:rPr lang="en-US" sz="3000" b="1" i="1" dirty="0">
-                              <a:latin typeface="Cambria Math" panose="02040503050406030204" pitchFamily="18" charset="0"/>
-                              <a:ea typeface="Cambria Math" panose="02040503050406030204" pitchFamily="18" charset="0"/>
-                            </a:rPr>
-                            <m:t>𝒘</m:t>
-                          </m:r>
-                          <m:r>
-                            <a:rPr lang="en-US" sz="3000" b="1" i="1" dirty="0">
-                              <a:latin typeface="Cambria Math" panose="02040503050406030204" pitchFamily="18" charset="0"/>
-                              <a:ea typeface="Cambria Math" panose="02040503050406030204" pitchFamily="18" charset="0"/>
-                            </a:rPr>
-                            <m:t> </m:t>
-                          </m:r>
-                        </m:e>
-                      </m:acc>
-                      <m:r>
-                        <m:rPr>
-                          <m:nor/>
-                        </m:rPr>
-                        <a:rPr lang="en-PH" sz="3000" b="1" dirty="0">
-                          <a:latin typeface="Cambria Math" panose="02040503050406030204" pitchFamily="18" charset="0"/>
-                          <a:ea typeface="Cambria Math" panose="02040503050406030204" pitchFamily="18" charset="0"/>
-                        </a:rPr>
-                        <m:t>⋅ </m:t>
-                      </m:r>
-                      <m:acc>
-                        <m:accPr>
-                          <m:chr m:val="⃗"/>
-                          <m:ctrlPr>
-                            <a:rPr lang="en-US" sz="3000" b="1" i="1" dirty="0">
-                              <a:latin typeface="Cambria Math" panose="02040503050406030204" pitchFamily="18" charset="0"/>
-                              <a:ea typeface="Cambria Math" panose="02040503050406030204" pitchFamily="18" charset="0"/>
-                            </a:rPr>
-                          </m:ctrlPr>
-                        </m:accPr>
-                        <m:e>
-                          <m:r>
-                            <a:rPr lang="en-US" sz="3000" b="1" i="1" dirty="0">
-                              <a:latin typeface="Cambria Math" panose="02040503050406030204" pitchFamily="18" charset="0"/>
-                              <a:ea typeface="Cambria Math" panose="02040503050406030204" pitchFamily="18" charset="0"/>
-                            </a:rPr>
-                            <m:t>𝒙</m:t>
-                          </m:r>
-                          <m:r>
-                            <a:rPr lang="en-US" sz="3000" b="1" i="1" dirty="0">
-                              <a:latin typeface="Cambria Math" panose="02040503050406030204" pitchFamily="18" charset="0"/>
-                              <a:ea typeface="Cambria Math" panose="02040503050406030204" pitchFamily="18" charset="0"/>
-                            </a:rPr>
-                            <m:t> </m:t>
-                          </m:r>
-                        </m:e>
-                      </m:acc>
-                      <m:r>
-                        <m:rPr>
-                          <m:nor/>
-                        </m:rPr>
-                        <a:rPr lang="en-PH" sz="3000" b="1" dirty="0">
-                          <a:latin typeface="Cambria Math" panose="02040503050406030204" pitchFamily="18" charset="0"/>
-                          <a:ea typeface="Cambria Math" panose="02040503050406030204" pitchFamily="18" charset="0"/>
-                        </a:rPr>
-                        <m:t> - </m:t>
-                      </m:r>
-                      <m:r>
-                        <m:rPr>
-                          <m:nor/>
-                        </m:rPr>
-                        <a:rPr lang="en-PH" sz="3000" b="1" dirty="0">
-                          <a:latin typeface="Cambria Math" panose="02040503050406030204" pitchFamily="18" charset="0"/>
-                          <a:ea typeface="Cambria Math" panose="02040503050406030204" pitchFamily="18" charset="0"/>
-                        </a:rPr>
-                        <m:t>b</m:t>
-                      </m:r>
-                      <m:r>
-                        <m:rPr>
-                          <m:nor/>
-                        </m:rPr>
-                        <a:rPr lang="en-PH" sz="3000" b="1" dirty="0">
-                          <a:latin typeface="Cambria Math" panose="02040503050406030204" pitchFamily="18" charset="0"/>
-                          <a:ea typeface="Cambria Math" panose="02040503050406030204" pitchFamily="18" charset="0"/>
-                        </a:rPr>
-                        <m:t> ≥ +1, </m:t>
-                      </m:r>
-                      <m:sSub>
-                        <m:sSubPr>
-                          <m:ctrlPr>
-                            <a:rPr lang="en-US" sz="3000" b="1" i="1" dirty="0">
-                              <a:latin typeface="Cambria Math" panose="02040503050406030204" pitchFamily="18" charset="0"/>
-                              <a:ea typeface="Cambria Math" panose="02040503050406030204" pitchFamily="18" charset="0"/>
-                            </a:rPr>
-                          </m:ctrlPr>
-                        </m:sSubPr>
-                        <m:e>
-                          <m:r>
-                            <a:rPr lang="en-US" sz="3000" b="1" i="1" dirty="0">
-                              <a:latin typeface="Cambria Math" panose="02040503050406030204" pitchFamily="18" charset="0"/>
-                              <a:ea typeface="Cambria Math" panose="02040503050406030204" pitchFamily="18" charset="0"/>
-                            </a:rPr>
-                            <m:t>𝒊𝒇</m:t>
-                          </m:r>
-                          <m:r>
-                            <a:rPr lang="en-US" sz="3000" b="1" i="1" dirty="0">
-                              <a:latin typeface="Cambria Math" panose="02040503050406030204" pitchFamily="18" charset="0"/>
-                              <a:ea typeface="Cambria Math" panose="02040503050406030204" pitchFamily="18" charset="0"/>
-                            </a:rPr>
-                            <m:t> </m:t>
-                          </m:r>
-                          <m:r>
-                            <a:rPr lang="en-US" sz="3000" b="1" i="1" dirty="0">
-                              <a:latin typeface="Cambria Math" panose="02040503050406030204" pitchFamily="18" charset="0"/>
-                              <a:ea typeface="Cambria Math" panose="02040503050406030204" pitchFamily="18" charset="0"/>
-                            </a:rPr>
-                            <m:t>𝒚</m:t>
-                          </m:r>
-                        </m:e>
-                        <m:sub>
-                          <m:r>
-                            <a:rPr lang="en-US" sz="3000" b="1" i="1" dirty="0">
-                              <a:latin typeface="Cambria Math" panose="02040503050406030204" pitchFamily="18" charset="0"/>
-                              <a:ea typeface="Cambria Math" panose="02040503050406030204" pitchFamily="18" charset="0"/>
-                            </a:rPr>
-                            <m:t>𝒊</m:t>
-                          </m:r>
-                        </m:sub>
-                      </m:sSub>
-                      <m:r>
-                        <m:rPr>
-                          <m:nor/>
-                        </m:rPr>
-                        <a:rPr lang="en-US" sz="3000" b="1" dirty="0">
-                          <a:latin typeface="Cambria Math" panose="02040503050406030204" pitchFamily="18" charset="0"/>
-                          <a:ea typeface="Cambria Math" panose="02040503050406030204" pitchFamily="18" charset="0"/>
-                        </a:rPr>
-                        <m:t> = </m:t>
-                      </m:r>
-                      <m:r>
-                        <m:rPr>
-                          <m:nor/>
-                        </m:rPr>
-                        <a:rPr lang="en-US" sz="3000" b="1" dirty="0">
-                          <a:solidFill>
-                            <a:srgbClr val="00B050"/>
-                          </a:solidFill>
-                          <a:latin typeface="Cambria Math" panose="02040503050406030204" pitchFamily="18" charset="0"/>
-                          <a:ea typeface="Cambria Math" panose="02040503050406030204" pitchFamily="18" charset="0"/>
-                        </a:rPr>
-                        <m:t>+1</m:t>
-                      </m:r>
-                    </m:oMath>
-                  </m:oMathPara>
-                </a14:m>
-                <a:endParaRPr lang="en-US" sz="3000" b="1" dirty="0">
-                  <a:solidFill>
-                    <a:srgbClr val="00B050"/>
-                  </a:solidFill>
-                  <a:latin typeface="Cambria Math" panose="02040503050406030204" pitchFamily="18" charset="0"/>
-                  <a:ea typeface="Cambria Math" panose="02040503050406030204" pitchFamily="18" charset="0"/>
-                </a:endParaRPr>
-              </a:p>
-              <a:p>
-                <a:endParaRPr lang="en-PH" sz="3000" b="1" dirty="0">
-                  <a:latin typeface="Cambria Math" panose="02040503050406030204" pitchFamily="18" charset="0"/>
-                  <a:ea typeface="Cambria Math" panose="02040503050406030204" pitchFamily="18" charset="0"/>
-                </a:endParaRPr>
-              </a:p>
-              <a:p>
-                <a14:m>
-                  <m:oMathPara xmlns:m="http://schemas.openxmlformats.org/officeDocument/2006/math">
-                    <m:oMathParaPr>
-                      <m:jc m:val="centerGroup"/>
-                    </m:oMathParaPr>
-                    <m:oMath xmlns:m="http://schemas.openxmlformats.org/officeDocument/2006/math">
-                      <m:acc>
-                        <m:accPr>
-                          <m:chr m:val="⃗"/>
-                          <m:ctrlPr>
-                            <a:rPr lang="en-US" sz="3000" b="1" i="1" dirty="0" smtClean="0">
-                              <a:latin typeface="Cambria Math" panose="02040503050406030204" pitchFamily="18" charset="0"/>
-                              <a:ea typeface="Cambria Math" panose="02040503050406030204" pitchFamily="18" charset="0"/>
-                            </a:rPr>
-                          </m:ctrlPr>
-                        </m:accPr>
-                        <m:e>
-                          <m:r>
-                            <a:rPr lang="en-US" sz="3000" b="1" i="1" dirty="0">
-                              <a:latin typeface="Cambria Math" panose="02040503050406030204" pitchFamily="18" charset="0"/>
-                              <a:ea typeface="Cambria Math" panose="02040503050406030204" pitchFamily="18" charset="0"/>
-                            </a:rPr>
-                            <m:t>𝒘</m:t>
-                          </m:r>
-                          <m:r>
-                            <a:rPr lang="en-US" sz="3000" b="1" i="1" dirty="0">
-                              <a:latin typeface="Cambria Math" panose="02040503050406030204" pitchFamily="18" charset="0"/>
-                              <a:ea typeface="Cambria Math" panose="02040503050406030204" pitchFamily="18" charset="0"/>
-                            </a:rPr>
-                            <m:t> </m:t>
-                          </m:r>
-                        </m:e>
-                      </m:acc>
-                      <m:r>
-                        <m:rPr>
-                          <m:nor/>
-                        </m:rPr>
-                        <a:rPr lang="en-PH" sz="3000" b="1" dirty="0">
-                          <a:latin typeface="Cambria Math" panose="02040503050406030204" pitchFamily="18" charset="0"/>
-                          <a:ea typeface="Cambria Math" panose="02040503050406030204" pitchFamily="18" charset="0"/>
-                        </a:rPr>
-                        <m:t>⋅ </m:t>
-                      </m:r>
-                      <m:acc>
-                        <m:accPr>
-                          <m:chr m:val="⃗"/>
-                          <m:ctrlPr>
-                            <a:rPr lang="en-US" sz="3000" b="1" i="1" dirty="0">
-                              <a:latin typeface="Cambria Math" panose="02040503050406030204" pitchFamily="18" charset="0"/>
-                              <a:ea typeface="Cambria Math" panose="02040503050406030204" pitchFamily="18" charset="0"/>
-                            </a:rPr>
-                          </m:ctrlPr>
-                        </m:accPr>
-                        <m:e>
-                          <m:r>
-                            <a:rPr lang="en-US" sz="3000" b="1" i="1" dirty="0">
-                              <a:latin typeface="Cambria Math" panose="02040503050406030204" pitchFamily="18" charset="0"/>
-                              <a:ea typeface="Cambria Math" panose="02040503050406030204" pitchFamily="18" charset="0"/>
-                            </a:rPr>
-                            <m:t>𝒙</m:t>
-                          </m:r>
-                          <m:r>
-                            <a:rPr lang="en-US" sz="3000" b="1" i="1" dirty="0">
-                              <a:latin typeface="Cambria Math" panose="02040503050406030204" pitchFamily="18" charset="0"/>
-                              <a:ea typeface="Cambria Math" panose="02040503050406030204" pitchFamily="18" charset="0"/>
-                            </a:rPr>
-                            <m:t> </m:t>
-                          </m:r>
-                        </m:e>
-                      </m:acc>
-                      <m:r>
-                        <m:rPr>
-                          <m:nor/>
-                        </m:rPr>
-                        <a:rPr lang="en-PH" sz="3000" b="1" dirty="0">
-                          <a:latin typeface="Cambria Math" panose="02040503050406030204" pitchFamily="18" charset="0"/>
-                          <a:ea typeface="Cambria Math" panose="02040503050406030204" pitchFamily="18" charset="0"/>
-                        </a:rPr>
-                        <m:t> - </m:t>
-                      </m:r>
-                      <m:r>
-                        <m:rPr>
-                          <m:nor/>
-                        </m:rPr>
-                        <a:rPr lang="en-PH" sz="3000" b="1" dirty="0">
-                          <a:latin typeface="Cambria Math" panose="02040503050406030204" pitchFamily="18" charset="0"/>
-                          <a:ea typeface="Cambria Math" panose="02040503050406030204" pitchFamily="18" charset="0"/>
-                        </a:rPr>
-                        <m:t>b</m:t>
-                      </m:r>
-                      <m:r>
-                        <m:rPr>
-                          <m:nor/>
-                        </m:rPr>
-                        <a:rPr lang="en-PH" sz="3000" b="1" dirty="0">
-                          <a:latin typeface="Cambria Math" panose="02040503050406030204" pitchFamily="18" charset="0"/>
-                          <a:ea typeface="Cambria Math" panose="02040503050406030204" pitchFamily="18" charset="0"/>
-                        </a:rPr>
-                        <m:t> ≤ -1, </m:t>
-                      </m:r>
-                      <m:r>
-                        <a:rPr lang="en-US" sz="3000" b="1" i="1" dirty="0" smtClean="0">
-                          <a:latin typeface="Cambria Math" panose="02040503050406030204" pitchFamily="18" charset="0"/>
-                          <a:ea typeface="Cambria Math" panose="02040503050406030204" pitchFamily="18" charset="0"/>
-                        </a:rPr>
-                        <m:t>𝒊𝒇</m:t>
-                      </m:r>
-                      <m:r>
-                        <a:rPr lang="en-US" sz="3000" b="1" i="1" dirty="0" smtClean="0">
-                          <a:latin typeface="Cambria Math" panose="02040503050406030204" pitchFamily="18" charset="0"/>
-                          <a:ea typeface="Cambria Math" panose="02040503050406030204" pitchFamily="18" charset="0"/>
-                        </a:rPr>
-                        <m:t> </m:t>
-                      </m:r>
-                      <m:sSub>
-                        <m:sSubPr>
-                          <m:ctrlPr>
-                            <a:rPr lang="en-US" sz="3000" b="1" i="1" dirty="0">
-                              <a:latin typeface="Cambria Math" panose="02040503050406030204" pitchFamily="18" charset="0"/>
-                              <a:ea typeface="Cambria Math" panose="02040503050406030204" pitchFamily="18" charset="0"/>
-                            </a:rPr>
-                          </m:ctrlPr>
-                        </m:sSubPr>
-                        <m:e>
-                          <m:r>
-                            <a:rPr lang="en-US" sz="3000" b="1" i="1" dirty="0">
-                              <a:latin typeface="Cambria Math" panose="02040503050406030204" pitchFamily="18" charset="0"/>
-                              <a:ea typeface="Cambria Math" panose="02040503050406030204" pitchFamily="18" charset="0"/>
-                            </a:rPr>
-                            <m:t>𝒚</m:t>
-                          </m:r>
-                        </m:e>
-                        <m:sub>
-                          <m:r>
-                            <a:rPr lang="en-US" sz="3000" b="1" i="1" dirty="0">
-                              <a:latin typeface="Cambria Math" panose="02040503050406030204" pitchFamily="18" charset="0"/>
-                              <a:ea typeface="Cambria Math" panose="02040503050406030204" pitchFamily="18" charset="0"/>
-                            </a:rPr>
-                            <m:t>𝒊</m:t>
-                          </m:r>
-                        </m:sub>
-                      </m:sSub>
-                      <m:r>
-                        <m:rPr>
-                          <m:nor/>
-                        </m:rPr>
-                        <a:rPr lang="en-US" sz="3000" b="1" dirty="0">
-                          <a:latin typeface="Cambria Math" panose="02040503050406030204" pitchFamily="18" charset="0"/>
-                          <a:ea typeface="Cambria Math" panose="02040503050406030204" pitchFamily="18" charset="0"/>
-                        </a:rPr>
-                        <m:t> = </m:t>
-                      </m:r>
-                      <m:r>
-                        <m:rPr>
-                          <m:nor/>
-                        </m:rPr>
-                        <a:rPr lang="en-US" sz="3000" b="1" dirty="0">
-                          <a:solidFill>
-                            <a:srgbClr val="FF0000"/>
-                          </a:solidFill>
-                          <a:latin typeface="Cambria Math" panose="02040503050406030204" pitchFamily="18" charset="0"/>
-                          <a:ea typeface="Cambria Math" panose="02040503050406030204" pitchFamily="18" charset="0"/>
-                        </a:rPr>
-                        <m:t>-1</m:t>
-                      </m:r>
-                    </m:oMath>
-                  </m:oMathPara>
-                </a14:m>
-                <a:endParaRPr lang="en-PH" sz="3000" b="1" dirty="0">
-                  <a:latin typeface="Cambria Math" panose="02040503050406030204" pitchFamily="18" charset="0"/>
-                  <a:ea typeface="Cambria Math" panose="02040503050406030204" pitchFamily="18" charset="0"/>
-                </a:endParaRPr>
-              </a:p>
-            </p:txBody>
-          </p:sp>
-        </mc:Choice>
-        <mc:Fallback>
-          <p:sp>
-            <p:nvSpPr>
-              <p:cNvPr id="3" name="TextBox 2">
-                <a:extLst>
-                  <a:ext uri="{FF2B5EF4-FFF2-40B4-BE49-F238E27FC236}">
-                    <a16:creationId xmlns:a16="http://schemas.microsoft.com/office/drawing/2014/main" id="{248E754D-0A9C-3D12-8B2F-90BFA7408009}"/>
-                  </a:ext>
-                </a:extLst>
-              </p:cNvPr>
-              <p:cNvSpPr txBox="1">
-                <a:spLocks noRot="1" noChangeAspect="1" noMove="1" noResize="1" noEditPoints="1" noAdjustHandles="1" noChangeArrowheads="1" noChangeShapeType="1" noTextEdit="1"/>
-              </p:cNvSpPr>
-              <p:nvPr/>
-            </p:nvSpPr>
-            <p:spPr>
-              <a:xfrm>
-                <a:off x="748145" y="1335188"/>
-                <a:ext cx="10907486" cy="1754326"/>
-              </a:xfrm>
-              <a:prstGeom prst="rect">
-                <a:avLst/>
-              </a:prstGeom>
-              <a:blipFill>
-                <a:blip r:embed="rId4"/>
-                <a:stretch>
-                  <a:fillRect/>
-                </a:stretch>
-              </a:blipFill>
-            </p:spPr>
-            <p:txBody>
-              <a:bodyPr/>
-              <a:lstStyle/>
-              <a:p>
-                <a:r>
-                  <a:rPr lang="en-PH">
-                    <a:noFill/>
-                  </a:rPr>
-                  <a:t> </a:t>
-                </a:r>
-              </a:p>
-            </p:txBody>
-          </p:sp>
-        </mc:Fallback>
-      </mc:AlternateContent>
-      <mc:AlternateContent xmlns:mc="http://schemas.openxmlformats.org/markup-compatibility/2006">
-        <mc:Choice xmlns:a14="http://schemas.microsoft.com/office/drawing/2010/main" Requires="a14">
-          <p:sp>
-            <p:nvSpPr>
-              <p:cNvPr id="9" name="TextBox 8">
-                <a:extLst>
-                  <a:ext uri="{FF2B5EF4-FFF2-40B4-BE49-F238E27FC236}">
-                    <a16:creationId xmlns:a16="http://schemas.microsoft.com/office/drawing/2014/main" id="{746627C4-C65A-5AA4-F619-5A9BD334DAFF}"/>
-                  </a:ext>
-                </a:extLst>
-              </p:cNvPr>
-              <p:cNvSpPr txBox="1"/>
-              <p:nvPr/>
-            </p:nvSpPr>
-            <p:spPr>
-              <a:xfrm>
-                <a:off x="3041070" y="4517389"/>
-                <a:ext cx="6109854" cy="553998"/>
-              </a:xfrm>
-              <a:prstGeom prst="rect">
-                <a:avLst/>
-              </a:prstGeom>
-              <a:noFill/>
-            </p:spPr>
-            <p:txBody>
-              <a:bodyPr wrap="square">
-                <a:spAutoFit/>
-              </a:bodyPr>
-              <a:lstStyle/>
-              <a:p>
-                <a:pPr/>
-                <a14:m>
-                  <m:oMathPara xmlns:m="http://schemas.openxmlformats.org/officeDocument/2006/math">
-                    <m:oMathParaPr>
-                      <m:jc m:val="centerGroup"/>
-                    </m:oMathParaPr>
-                    <m:oMath xmlns:m="http://schemas.openxmlformats.org/officeDocument/2006/math">
-                      <m:sSub>
-                        <m:sSubPr>
-                          <m:ctrlPr>
-                            <a:rPr lang="en-US" sz="3000" b="1" i="1" smtClean="0">
-                              <a:latin typeface="Cambria Math" panose="02040503050406030204" pitchFamily="18" charset="0"/>
-                              <a:ea typeface="Cambria Math" panose="02040503050406030204" pitchFamily="18" charset="0"/>
-                            </a:rPr>
-                          </m:ctrlPr>
-                        </m:sSubPr>
-                        <m:e>
-                          <m:r>
-                            <a:rPr lang="en-US" sz="3000" b="1" i="1">
-                              <a:latin typeface="Cambria Math" panose="02040503050406030204" pitchFamily="18" charset="0"/>
-                              <a:ea typeface="Cambria Math" panose="02040503050406030204" pitchFamily="18" charset="0"/>
-                            </a:rPr>
-                            <m:t>𝒚</m:t>
-                          </m:r>
-                        </m:e>
-                        <m:sub>
-                          <m:r>
-                            <a:rPr lang="en-US" sz="3000" b="1" i="1">
-                              <a:latin typeface="Cambria Math" panose="02040503050406030204" pitchFamily="18" charset="0"/>
-                              <a:ea typeface="Cambria Math" panose="02040503050406030204" pitchFamily="18" charset="0"/>
-                            </a:rPr>
-                            <m:t>𝒊</m:t>
-                          </m:r>
-                        </m:sub>
-                      </m:sSub>
-                      <m:r>
-                        <m:rPr>
-                          <m:nor/>
-                        </m:rPr>
-                        <a:rPr lang="en-PH" sz="3000" b="1" dirty="0">
-                          <a:latin typeface="Cambria Math" panose="02040503050406030204" pitchFamily="18" charset="0"/>
-                          <a:ea typeface="Cambria Math" panose="02040503050406030204" pitchFamily="18" charset="0"/>
-                        </a:rPr>
-                        <m:t>(</m:t>
-                      </m:r>
-                      <m:acc>
-                        <m:accPr>
-                          <m:chr m:val="⃗"/>
-                          <m:ctrlPr>
-                            <a:rPr lang="en-US" sz="3000" b="1" i="1" dirty="0">
-                              <a:latin typeface="Cambria Math" panose="02040503050406030204" pitchFamily="18" charset="0"/>
-                              <a:ea typeface="Cambria Math" panose="02040503050406030204" pitchFamily="18" charset="0"/>
-                            </a:rPr>
-                          </m:ctrlPr>
-                        </m:accPr>
-                        <m:e>
-                          <m:r>
-                            <a:rPr lang="en-US" sz="3000" b="1" i="1">
-                              <a:latin typeface="Cambria Math" panose="02040503050406030204" pitchFamily="18" charset="0"/>
-                              <a:ea typeface="Cambria Math" panose="02040503050406030204" pitchFamily="18" charset="0"/>
-                            </a:rPr>
-                            <m:t>𝒘</m:t>
-                          </m:r>
-                        </m:e>
-                      </m:acc>
-                      <m:r>
-                        <m:rPr>
-                          <m:nor/>
-                        </m:rPr>
-                        <a:rPr lang="en-PH" sz="3000" b="1" dirty="0">
-                          <a:latin typeface="Cambria Math" panose="02040503050406030204" pitchFamily="18" charset="0"/>
-                          <a:ea typeface="Cambria Math" panose="02040503050406030204" pitchFamily="18" charset="0"/>
-                        </a:rPr>
-                        <m:t> ⋅ </m:t>
-                      </m:r>
-                      <m:r>
-                        <a:rPr lang="en-US" sz="3000" b="1" dirty="0">
-                          <a:latin typeface="Cambria Math" panose="02040503050406030204" pitchFamily="18" charset="0"/>
-                          <a:ea typeface="Cambria Math" panose="02040503050406030204" pitchFamily="18" charset="0"/>
-                        </a:rPr>
-                        <m:t> </m:t>
-                      </m:r>
-                      <m:acc>
-                        <m:accPr>
-                          <m:chr m:val="⃗"/>
-                          <m:ctrlPr>
-                            <a:rPr lang="en-US" sz="3000" b="1" i="1" dirty="0">
-                              <a:latin typeface="Cambria Math" panose="02040503050406030204" pitchFamily="18" charset="0"/>
-                              <a:ea typeface="Cambria Math" panose="02040503050406030204" pitchFamily="18" charset="0"/>
-                            </a:rPr>
-                          </m:ctrlPr>
-                        </m:accPr>
-                        <m:e>
-                          <m:sSub>
-                            <m:sSubPr>
-                              <m:ctrlPr>
-                                <a:rPr lang="en-US" sz="3000" b="1" i="1">
-                                  <a:latin typeface="Cambria Math" panose="02040503050406030204" pitchFamily="18" charset="0"/>
-                                  <a:ea typeface="Cambria Math" panose="02040503050406030204" pitchFamily="18" charset="0"/>
-                                </a:rPr>
-                              </m:ctrlPr>
-                            </m:sSubPr>
-                            <m:e>
-                              <m:r>
-                                <a:rPr lang="en-US" sz="3000" b="1" i="1">
-                                  <a:latin typeface="Cambria Math" panose="02040503050406030204" pitchFamily="18" charset="0"/>
-                                  <a:ea typeface="Cambria Math" panose="02040503050406030204" pitchFamily="18" charset="0"/>
-                                </a:rPr>
-                                <m:t>𝒙</m:t>
-                              </m:r>
-                            </m:e>
-                            <m:sub>
-                              <m:r>
-                                <a:rPr lang="en-US" sz="3000" b="1" i="1">
-                                  <a:latin typeface="Cambria Math" panose="02040503050406030204" pitchFamily="18" charset="0"/>
-                                  <a:ea typeface="Cambria Math" panose="02040503050406030204" pitchFamily="18" charset="0"/>
-                                </a:rPr>
-                                <m:t>𝒊</m:t>
-                              </m:r>
-                            </m:sub>
-                          </m:sSub>
-                        </m:e>
-                      </m:acc>
-                      <m:r>
-                        <m:rPr>
-                          <m:nor/>
-                        </m:rPr>
-                        <a:rPr lang="en-PH" sz="3000" b="1" dirty="0">
-                          <a:latin typeface="Cambria Math" panose="02040503050406030204" pitchFamily="18" charset="0"/>
-                          <a:ea typeface="Cambria Math" panose="02040503050406030204" pitchFamily="18" charset="0"/>
-                        </a:rPr>
-                        <m:t> − </m:t>
-                      </m:r>
-                      <m:r>
-                        <m:rPr>
-                          <m:nor/>
-                        </m:rPr>
-                        <a:rPr lang="en-PH" sz="3000" b="1" dirty="0">
-                          <a:latin typeface="Cambria Math" panose="02040503050406030204" pitchFamily="18" charset="0"/>
-                          <a:ea typeface="Cambria Math" panose="02040503050406030204" pitchFamily="18" charset="0"/>
-                        </a:rPr>
-                        <m:t>b</m:t>
-                      </m:r>
-                      <m:r>
-                        <m:rPr>
-                          <m:nor/>
-                        </m:rPr>
-                        <a:rPr lang="en-PH" sz="3000" b="1" dirty="0">
-                          <a:latin typeface="Cambria Math" panose="02040503050406030204" pitchFamily="18" charset="0"/>
-                          <a:ea typeface="Cambria Math" panose="02040503050406030204" pitchFamily="18" charset="0"/>
-                        </a:rPr>
-                        <m:t>)</m:t>
-                      </m:r>
-                      <m:r>
-                        <m:rPr>
-                          <m:nor/>
-                        </m:rPr>
-                        <a:rPr lang="en-US" sz="3000" b="1" i="0" dirty="0" smtClean="0">
-                          <a:latin typeface="Cambria Math" panose="02040503050406030204" pitchFamily="18" charset="0"/>
-                          <a:ea typeface="Cambria Math" panose="02040503050406030204" pitchFamily="18" charset="0"/>
-                        </a:rPr>
-                        <m:t> </m:t>
-                      </m:r>
-                      <m:r>
-                        <m:rPr>
-                          <m:nor/>
-                        </m:rPr>
-                        <a:rPr lang="en-PH" sz="3000" b="1" dirty="0">
-                          <a:latin typeface="Cambria Math" panose="02040503050406030204" pitchFamily="18" charset="0"/>
-                          <a:ea typeface="Cambria Math" panose="02040503050406030204" pitchFamily="18" charset="0"/>
-                        </a:rPr>
-                        <m:t>≥ +1</m:t>
-                      </m:r>
-                    </m:oMath>
-                  </m:oMathPara>
-                </a14:m>
-                <a:endParaRPr lang="en-PH" sz="3000" b="1" dirty="0">
-                  <a:latin typeface="Cambria Math" panose="02040503050406030204" pitchFamily="18" charset="0"/>
-                  <a:ea typeface="Cambria Math" panose="02040503050406030204" pitchFamily="18" charset="0"/>
-                </a:endParaRPr>
-              </a:p>
-            </p:txBody>
-          </p:sp>
-        </mc:Choice>
-        <mc:Fallback>
-          <p:sp>
-            <p:nvSpPr>
-              <p:cNvPr id="9" name="TextBox 8">
-                <a:extLst>
-                  <a:ext uri="{FF2B5EF4-FFF2-40B4-BE49-F238E27FC236}">
-                    <a16:creationId xmlns:a16="http://schemas.microsoft.com/office/drawing/2014/main" id="{746627C4-C65A-5AA4-F619-5A9BD334DAFF}"/>
-                  </a:ext>
-                </a:extLst>
-              </p:cNvPr>
-              <p:cNvSpPr txBox="1">
-                <a:spLocks noRot="1" noChangeAspect="1" noMove="1" noResize="1" noEditPoints="1" noAdjustHandles="1" noChangeArrowheads="1" noChangeShapeType="1" noTextEdit="1"/>
-              </p:cNvSpPr>
-              <p:nvPr/>
-            </p:nvSpPr>
-            <p:spPr>
-              <a:xfrm>
-                <a:off x="3041070" y="4517389"/>
-                <a:ext cx="6109854" cy="553998"/>
-              </a:xfrm>
-              <a:prstGeom prst="rect">
-                <a:avLst/>
-              </a:prstGeom>
-              <a:blipFill>
-                <a:blip r:embed="rId5"/>
-                <a:stretch>
-                  <a:fillRect/>
-                </a:stretch>
-              </a:blipFill>
-            </p:spPr>
-            <p:txBody>
-              <a:bodyPr/>
-              <a:lstStyle/>
-              <a:p>
-                <a:r>
-                  <a:rPr lang="en-PH">
-                    <a:noFill/>
-                  </a:rPr>
-                  <a:t> </a:t>
-                </a:r>
-              </a:p>
-            </p:txBody>
-          </p:sp>
-        </mc:Fallback>
-      </mc:AlternateContent>
-    </p:spTree>
-    <p:extLst>
-      <p:ext uri="{BB962C8B-B14F-4D97-AF65-F5344CB8AC3E}">
-        <p14:creationId xmlns:p14="http://schemas.microsoft.com/office/powerpoint/2010/main" val="1326282030"/>
-      </p:ext>
-    </p:extLst>
-  </p:cSld>
-  <p:clrMapOvr>
-    <a:masterClrMapping/>
-  </p:clrMapOvr>
-  <p:timing>
-    <p:tnLst>
-      <p:par>
-        <p:cTn id="1" dur="indefinite" restart="never" nodeType="tmRoot">
-          <p:childTnLst>
-            <p:seq concurrent="1" nextAc="seek">
-              <p:cTn id="2" dur="indefinite" nodeType="mainSeq">
-                <p:childTnLst>
-                  <p:par>
-                    <p:cTn id="3" fill="hold">
-                      <p:stCondLst>
-                        <p:cond delay="indefinite"/>
-                      </p:stCondLst>
-                      <p:childTnLst>
-                        <p:par>
-                          <p:cTn id="4" fill="hold">
-                            <p:stCondLst>
-                              <p:cond delay="0"/>
-                            </p:stCondLst>
-                            <p:childTnLst>
-                              <p:par>
-                                <p:cTn id="5" presetID="10" presetClass="entr" presetSubtype="0" fill="hold" grpId="0" nodeType="clickEffect">
-                                  <p:stCondLst>
-                                    <p:cond delay="0"/>
-                                  </p:stCondLst>
-                                  <p:childTnLst>
-                                    <p:set>
-                                      <p:cBhvr>
-                                        <p:cTn id="6" dur="1" fill="hold">
-                                          <p:stCondLst>
-                                            <p:cond delay="0"/>
-                                          </p:stCondLst>
-                                        </p:cTn>
-                                        <p:tgtEl>
-                                          <p:spTgt spid="9"/>
-                                        </p:tgtEl>
-                                        <p:attrNameLst>
-                                          <p:attrName>style.visibility</p:attrName>
-                                        </p:attrNameLst>
-                                      </p:cBhvr>
-                                      <p:to>
-                                        <p:strVal val="visible"/>
-                                      </p:to>
-                                    </p:set>
-                                    <p:animEffect transition="in" filter="fade">
-                                      <p:cBhvr>
-                                        <p:cTn id="7" dur="500"/>
-                                        <p:tgtEl>
-                                          <p:spTgt spid="9"/>
-                                        </p:tgtEl>
-                                      </p:cBhvr>
-                                    </p:animEffect>
-                                  </p:childTnLst>
-                                </p:cTn>
-                              </p:par>
-                            </p:childTnLst>
-                          </p:cTn>
-                        </p:par>
-                      </p:childTnLst>
-                    </p:cTn>
-                  </p:par>
-                </p:childTnLst>
-              </p:cTn>
-              <p:prevCondLst>
-                <p:cond evt="onPrev" delay="0">
-                  <p:tgtEl>
-                    <p:sldTgt/>
-                  </p:tgtEl>
-                </p:cond>
-              </p:prevCondLst>
-              <p:nextCondLst>
-                <p:cond evt="onNext" delay="0">
-                  <p:tgtEl>
-                    <p:sldTgt/>
-                  </p:tgtEl>
-                </p:cond>
-              </p:nextCondLst>
-            </p:seq>
-          </p:childTnLst>
-        </p:cTn>
-      </p:par>
-    </p:tnLst>
-    <p:bldLst>
-      <p:bldP spid="9" grpId="0"/>
-    </p:bldLst>
-  </p:timing>
-</p:sld>
-</file>
-
-<file path=ppt/slides/slide14.xml><?xml version="1.0" encoding="utf-8"?>
-<p:sld xmlns:a="http://schemas.openxmlformats.org/drawingml/2006/main" xmlns:r="http://schemas.openxmlformats.org/officeDocument/2006/relationships" xmlns:p="http://schemas.openxmlformats.org/presentationml/2006/main">
-  <p:cSld>
-    <p:bg>
-      <p:bgPr>
-        <a:blipFill dpi="0" rotWithShape="1">
-          <a:blip r:embed="rId3">
-            <a:alphaModFix amt="99000"/>
-            <a:lum/>
-          </a:blip>
-          <a:srcRect/>
-          <a:stretch>
-            <a:fillRect t="89000" r="85000" b="-1000"/>
-          </a:stretch>
-        </a:blipFill>
-        <a:effectLst/>
-      </p:bgPr>
-    </p:bg>
-    <p:spTree>
-      <p:nvGrpSpPr>
-        <p:cNvPr id="1" name=""/>
-        <p:cNvGrpSpPr/>
-        <p:nvPr/>
-      </p:nvGrpSpPr>
-      <p:grpSpPr>
-        <a:xfrm>
-          <a:off x="0" y="0"/>
-          <a:ext cx="0" cy="0"/>
-          <a:chOff x="0" y="0"/>
-          <a:chExt cx="0" cy="0"/>
-        </a:xfrm>
-      </p:grpSpPr>
-      <p:sp>
-        <p:nvSpPr>
-          <p:cNvPr id="4" name="Footer Placeholder 3">
-            <a:extLst>
-              <a:ext uri="{FF2B5EF4-FFF2-40B4-BE49-F238E27FC236}">
-                <a16:creationId xmlns:a16="http://schemas.microsoft.com/office/drawing/2014/main" id="{638E7DE1-45EE-476A-A474-0F3C264AEDA3}"/>
-              </a:ext>
-            </a:extLst>
-          </p:cNvPr>
-          <p:cNvSpPr>
-            <a:spLocks noGrp="1"/>
-          </p:cNvSpPr>
-          <p:nvPr>
-            <p:ph type="ftr" sz="quarter" idx="11"/>
-          </p:nvPr>
-        </p:nvSpPr>
-        <p:spPr>
-          <a:xfrm>
-            <a:off x="0" y="6139541"/>
-            <a:ext cx="12192000" cy="718459"/>
-          </a:xfrm>
-          <a:ln w="28575">
-            <a:solidFill>
-              <a:schemeClr val="accent5">
-                <a:lumMod val="50000"/>
-              </a:schemeClr>
-            </a:solidFill>
-          </a:ln>
-        </p:spPr>
-        <p:txBody>
-          <a:bodyPr/>
-          <a:lstStyle/>
-          <a:p>
-            <a:pPr algn="r"/>
-            <a:r>
-              <a:rPr lang="en-US" b="1" dirty="0">
-                <a:solidFill>
-                  <a:schemeClr val="tx1"/>
-                </a:solidFill>
-              </a:rPr>
-              <a:t>CCADMACL</a:t>
+              <a:t>CCMACLRL</a:t>
             </a:r>
             <a:endParaRPr lang="en-PH" dirty="0"/>
           </a:p>
@@ -24557,8 +23481,1128 @@
           </a:p>
         </p:txBody>
       </p:sp>
-      <mc:AlternateContent xmlns:mc="http://schemas.openxmlformats.org/markup-compatibility/2006">
-        <mc:Choice xmlns:a14="http://schemas.microsoft.com/office/drawing/2010/main" Requires="a14">
+      <p:sp>
+        <p:nvSpPr>
+          <p:cNvPr id="34" name="TextBox 33">
+            <a:extLst>
+              <a:ext uri="{FF2B5EF4-FFF2-40B4-BE49-F238E27FC236}">
+                <a16:creationId xmlns:a16="http://schemas.microsoft.com/office/drawing/2014/main" id="{ECF1A9F1-C7A9-93F7-201A-17BBE6EFDF62}"/>
+              </a:ext>
+            </a:extLst>
+          </p:cNvPr>
+          <p:cNvSpPr txBox="1"/>
+          <p:nvPr/>
+        </p:nvSpPr>
+        <p:spPr>
+          <a:xfrm>
+            <a:off x="812324" y="3311095"/>
+            <a:ext cx="10779127" cy="830997"/>
+          </a:xfrm>
+          <a:prstGeom prst="rect">
+            <a:avLst/>
+          </a:prstGeom>
+          <a:noFill/>
+        </p:spPr>
+        <p:txBody>
+          <a:bodyPr wrap="square">
+            <a:spAutoFit/>
+          </a:bodyPr>
+          <a:lstStyle/>
+          <a:p>
+            <a:r>
+              <a:rPr lang="en-US" sz="2400" dirty="0"/>
+              <a:t>These constraints state that each data point must lie on the correct side of the margin. These two conditions can be rewritten in a compact form</a:t>
+            </a:r>
+            <a:endParaRPr lang="en-PH" sz="2400" dirty="0"/>
+          </a:p>
+        </p:txBody>
+      </p:sp>
+      <mc:AlternateContent xmlns:mc="http://schemas.openxmlformats.org/markup-compatibility/2006" xmlns:a14="http://schemas.microsoft.com/office/drawing/2010/main">
+        <mc:Choice Requires="a14">
+          <p:sp>
+            <p:nvSpPr>
+              <p:cNvPr id="3" name="TextBox 2">
+                <a:extLst>
+                  <a:ext uri="{FF2B5EF4-FFF2-40B4-BE49-F238E27FC236}">
+                    <a16:creationId xmlns:a16="http://schemas.microsoft.com/office/drawing/2014/main" id="{248E754D-0A9C-3D12-8B2F-90BFA7408009}"/>
+                  </a:ext>
+                </a:extLst>
+              </p:cNvPr>
+              <p:cNvSpPr txBox="1"/>
+              <p:nvPr/>
+            </p:nvSpPr>
+            <p:spPr>
+              <a:xfrm>
+                <a:off x="748145" y="1335188"/>
+                <a:ext cx="10907486" cy="1754326"/>
+              </a:xfrm>
+              <a:prstGeom prst="rect">
+                <a:avLst/>
+              </a:prstGeom>
+              <a:noFill/>
+            </p:spPr>
+            <p:txBody>
+              <a:bodyPr wrap="square" rtlCol="0">
+                <a:spAutoFit/>
+              </a:bodyPr>
+              <a:lstStyle/>
+              <a:p>
+                <a:endParaRPr lang="en-US" b="1" dirty="0"/>
+              </a:p>
+              <a:p>
+                <a:pPr/>
+                <a14:m>
+                  <m:oMathPara xmlns:m="http://schemas.openxmlformats.org/officeDocument/2006/math">
+                    <m:oMathParaPr>
+                      <m:jc m:val="centerGroup"/>
+                    </m:oMathParaPr>
+                    <m:oMath xmlns:m="http://schemas.openxmlformats.org/officeDocument/2006/math">
+                      <m:acc>
+                        <m:accPr>
+                          <m:chr m:val="⃗"/>
+                          <m:ctrlPr>
+                            <a:rPr lang="en-US" sz="3000" b="1" i="1" dirty="0" smtClean="0">
+                              <a:latin typeface="Cambria Math" panose="02040503050406030204" pitchFamily="18" charset="0"/>
+                              <a:ea typeface="Cambria Math" panose="02040503050406030204" pitchFamily="18" charset="0"/>
+                            </a:rPr>
+                          </m:ctrlPr>
+                        </m:accPr>
+                        <m:e>
+                          <m:r>
+                            <a:rPr lang="en-US" sz="3000" b="1" i="1" dirty="0">
+                              <a:latin typeface="Cambria Math" panose="02040503050406030204" pitchFamily="18" charset="0"/>
+                              <a:ea typeface="Cambria Math" panose="02040503050406030204" pitchFamily="18" charset="0"/>
+                            </a:rPr>
+                            <m:t>𝒘</m:t>
+                          </m:r>
+                          <m:r>
+                            <a:rPr lang="en-US" sz="3000" b="1" i="1" dirty="0">
+                              <a:latin typeface="Cambria Math" panose="02040503050406030204" pitchFamily="18" charset="0"/>
+                              <a:ea typeface="Cambria Math" panose="02040503050406030204" pitchFamily="18" charset="0"/>
+                            </a:rPr>
+                            <m:t> </m:t>
+                          </m:r>
+                        </m:e>
+                      </m:acc>
+                      <m:r>
+                        <m:rPr>
+                          <m:nor/>
+                        </m:rPr>
+                        <a:rPr lang="en-PH" sz="3000" b="1" dirty="0">
+                          <a:latin typeface="Cambria Math" panose="02040503050406030204" pitchFamily="18" charset="0"/>
+                          <a:ea typeface="Cambria Math" panose="02040503050406030204" pitchFamily="18" charset="0"/>
+                        </a:rPr>
+                        <m:t>⋅ </m:t>
+                      </m:r>
+                      <m:acc>
+                        <m:accPr>
+                          <m:chr m:val="⃗"/>
+                          <m:ctrlPr>
+                            <a:rPr lang="en-US" sz="3000" b="1" i="1" dirty="0">
+                              <a:latin typeface="Cambria Math" panose="02040503050406030204" pitchFamily="18" charset="0"/>
+                              <a:ea typeface="Cambria Math" panose="02040503050406030204" pitchFamily="18" charset="0"/>
+                            </a:rPr>
+                          </m:ctrlPr>
+                        </m:accPr>
+                        <m:e>
+                          <m:r>
+                            <a:rPr lang="en-US" sz="3000" b="1" i="1" dirty="0">
+                              <a:latin typeface="Cambria Math" panose="02040503050406030204" pitchFamily="18" charset="0"/>
+                              <a:ea typeface="Cambria Math" panose="02040503050406030204" pitchFamily="18" charset="0"/>
+                            </a:rPr>
+                            <m:t>𝒙</m:t>
+                          </m:r>
+                          <m:r>
+                            <a:rPr lang="en-US" sz="3000" b="1" i="1" dirty="0">
+                              <a:latin typeface="Cambria Math" panose="02040503050406030204" pitchFamily="18" charset="0"/>
+                              <a:ea typeface="Cambria Math" panose="02040503050406030204" pitchFamily="18" charset="0"/>
+                            </a:rPr>
+                            <m:t> </m:t>
+                          </m:r>
+                        </m:e>
+                      </m:acc>
+                      <m:r>
+                        <m:rPr>
+                          <m:nor/>
+                        </m:rPr>
+                        <a:rPr lang="en-PH" sz="3000" b="1" dirty="0">
+                          <a:latin typeface="Cambria Math" panose="02040503050406030204" pitchFamily="18" charset="0"/>
+                          <a:ea typeface="Cambria Math" panose="02040503050406030204" pitchFamily="18" charset="0"/>
+                        </a:rPr>
+                        <m:t> − </m:t>
+                      </m:r>
+                      <m:r>
+                        <m:rPr>
+                          <m:nor/>
+                        </m:rPr>
+                        <a:rPr lang="en-PH" sz="3000" b="1" dirty="0">
+                          <a:latin typeface="Cambria Math" panose="02040503050406030204" pitchFamily="18" charset="0"/>
+                          <a:ea typeface="Cambria Math" panose="02040503050406030204" pitchFamily="18" charset="0"/>
+                        </a:rPr>
+                        <m:t>b</m:t>
+                      </m:r>
+                      <m:r>
+                        <m:rPr>
+                          <m:nor/>
+                        </m:rPr>
+                        <a:rPr lang="en-PH" sz="3000" b="1" dirty="0">
+                          <a:latin typeface="Cambria Math" panose="02040503050406030204" pitchFamily="18" charset="0"/>
+                          <a:ea typeface="Cambria Math" panose="02040503050406030204" pitchFamily="18" charset="0"/>
+                        </a:rPr>
+                        <m:t> ≥ +1, </m:t>
+                      </m:r>
+                      <m:sSub>
+                        <m:sSubPr>
+                          <m:ctrlPr>
+                            <a:rPr lang="en-US" sz="3000" b="1" i="1" dirty="0">
+                              <a:latin typeface="Cambria Math" panose="02040503050406030204" pitchFamily="18" charset="0"/>
+                              <a:ea typeface="Cambria Math" panose="02040503050406030204" pitchFamily="18" charset="0"/>
+                            </a:rPr>
+                          </m:ctrlPr>
+                        </m:sSubPr>
+                        <m:e>
+                          <m:r>
+                            <a:rPr lang="en-US" sz="3000" b="1" i="1" dirty="0">
+                              <a:latin typeface="Cambria Math" panose="02040503050406030204" pitchFamily="18" charset="0"/>
+                              <a:ea typeface="Cambria Math" panose="02040503050406030204" pitchFamily="18" charset="0"/>
+                            </a:rPr>
+                            <m:t>𝒊𝒇</m:t>
+                          </m:r>
+                          <m:r>
+                            <a:rPr lang="en-US" sz="3000" b="1" i="1" dirty="0">
+                              <a:latin typeface="Cambria Math" panose="02040503050406030204" pitchFamily="18" charset="0"/>
+                              <a:ea typeface="Cambria Math" panose="02040503050406030204" pitchFamily="18" charset="0"/>
+                            </a:rPr>
+                            <m:t> </m:t>
+                          </m:r>
+                          <m:r>
+                            <a:rPr lang="en-US" sz="3000" b="1" i="1" dirty="0">
+                              <a:latin typeface="Cambria Math" panose="02040503050406030204" pitchFamily="18" charset="0"/>
+                              <a:ea typeface="Cambria Math" panose="02040503050406030204" pitchFamily="18" charset="0"/>
+                            </a:rPr>
+                            <m:t>𝒚</m:t>
+                          </m:r>
+                        </m:e>
+                        <m:sub>
+                          <m:r>
+                            <a:rPr lang="en-US" sz="3000" b="1" i="1" dirty="0">
+                              <a:latin typeface="Cambria Math" panose="02040503050406030204" pitchFamily="18" charset="0"/>
+                              <a:ea typeface="Cambria Math" panose="02040503050406030204" pitchFamily="18" charset="0"/>
+                            </a:rPr>
+                            <m:t>𝒊</m:t>
+                          </m:r>
+                        </m:sub>
+                      </m:sSub>
+                      <m:r>
+                        <m:rPr>
+                          <m:nor/>
+                        </m:rPr>
+                        <a:rPr lang="en-US" sz="3000" b="1" dirty="0">
+                          <a:latin typeface="Cambria Math" panose="02040503050406030204" pitchFamily="18" charset="0"/>
+                          <a:ea typeface="Cambria Math" panose="02040503050406030204" pitchFamily="18" charset="0"/>
+                        </a:rPr>
+                        <m:t> = </m:t>
+                      </m:r>
+                      <m:r>
+                        <m:rPr>
+                          <m:nor/>
+                        </m:rPr>
+                        <a:rPr lang="en-US" sz="3000" b="1" dirty="0">
+                          <a:solidFill>
+                            <a:srgbClr val="00B050"/>
+                          </a:solidFill>
+                          <a:latin typeface="Cambria Math" panose="02040503050406030204" pitchFamily="18" charset="0"/>
+                          <a:ea typeface="Cambria Math" panose="02040503050406030204" pitchFamily="18" charset="0"/>
+                        </a:rPr>
+                        <m:t>+1</m:t>
+                      </m:r>
+                    </m:oMath>
+                  </m:oMathPara>
+                </a14:m>
+                <a:endParaRPr lang="en-US" sz="3000" b="1" dirty="0">
+                  <a:solidFill>
+                    <a:srgbClr val="00B050"/>
+                  </a:solidFill>
+                  <a:latin typeface="Cambria Math" panose="02040503050406030204" pitchFamily="18" charset="0"/>
+                  <a:ea typeface="Cambria Math" panose="02040503050406030204" pitchFamily="18" charset="0"/>
+                </a:endParaRPr>
+              </a:p>
+              <a:p>
+                <a:endParaRPr lang="en-PH" sz="3000" b="1" dirty="0">
+                  <a:latin typeface="Cambria Math" panose="02040503050406030204" pitchFamily="18" charset="0"/>
+                  <a:ea typeface="Cambria Math" panose="02040503050406030204" pitchFamily="18" charset="0"/>
+                </a:endParaRPr>
+              </a:p>
+              <a:p>
+                <a:pPr/>
+                <a14:m>
+                  <m:oMathPara xmlns:m="http://schemas.openxmlformats.org/officeDocument/2006/math">
+                    <m:oMathParaPr>
+                      <m:jc m:val="centerGroup"/>
+                    </m:oMathParaPr>
+                    <m:oMath xmlns:m="http://schemas.openxmlformats.org/officeDocument/2006/math">
+                      <m:acc>
+                        <m:accPr>
+                          <m:chr m:val="⃗"/>
+                          <m:ctrlPr>
+                            <a:rPr lang="en-US" sz="3000" b="1" i="1" dirty="0" smtClean="0">
+                              <a:latin typeface="Cambria Math" panose="02040503050406030204" pitchFamily="18" charset="0"/>
+                              <a:ea typeface="Cambria Math" panose="02040503050406030204" pitchFamily="18" charset="0"/>
+                            </a:rPr>
+                          </m:ctrlPr>
+                        </m:accPr>
+                        <m:e>
+                          <m:r>
+                            <a:rPr lang="en-US" sz="3000" b="1" i="1" dirty="0">
+                              <a:latin typeface="Cambria Math" panose="02040503050406030204" pitchFamily="18" charset="0"/>
+                              <a:ea typeface="Cambria Math" panose="02040503050406030204" pitchFamily="18" charset="0"/>
+                            </a:rPr>
+                            <m:t>𝒘</m:t>
+                          </m:r>
+                          <m:r>
+                            <a:rPr lang="en-US" sz="3000" b="1" i="1" dirty="0">
+                              <a:latin typeface="Cambria Math" panose="02040503050406030204" pitchFamily="18" charset="0"/>
+                              <a:ea typeface="Cambria Math" panose="02040503050406030204" pitchFamily="18" charset="0"/>
+                            </a:rPr>
+                            <m:t> </m:t>
+                          </m:r>
+                        </m:e>
+                      </m:acc>
+                      <m:r>
+                        <m:rPr>
+                          <m:nor/>
+                        </m:rPr>
+                        <a:rPr lang="en-PH" sz="3000" b="1" dirty="0">
+                          <a:latin typeface="Cambria Math" panose="02040503050406030204" pitchFamily="18" charset="0"/>
+                          <a:ea typeface="Cambria Math" panose="02040503050406030204" pitchFamily="18" charset="0"/>
+                        </a:rPr>
+                        <m:t>⋅ </m:t>
+                      </m:r>
+                      <m:acc>
+                        <m:accPr>
+                          <m:chr m:val="⃗"/>
+                          <m:ctrlPr>
+                            <a:rPr lang="en-US" sz="3000" b="1" i="1" dirty="0">
+                              <a:latin typeface="Cambria Math" panose="02040503050406030204" pitchFamily="18" charset="0"/>
+                              <a:ea typeface="Cambria Math" panose="02040503050406030204" pitchFamily="18" charset="0"/>
+                            </a:rPr>
+                          </m:ctrlPr>
+                        </m:accPr>
+                        <m:e>
+                          <m:r>
+                            <a:rPr lang="en-US" sz="3000" b="1" i="1" dirty="0">
+                              <a:latin typeface="Cambria Math" panose="02040503050406030204" pitchFamily="18" charset="0"/>
+                              <a:ea typeface="Cambria Math" panose="02040503050406030204" pitchFamily="18" charset="0"/>
+                            </a:rPr>
+                            <m:t>𝒙</m:t>
+                          </m:r>
+                          <m:r>
+                            <a:rPr lang="en-US" sz="3000" b="1" i="1" dirty="0">
+                              <a:latin typeface="Cambria Math" panose="02040503050406030204" pitchFamily="18" charset="0"/>
+                              <a:ea typeface="Cambria Math" panose="02040503050406030204" pitchFamily="18" charset="0"/>
+                            </a:rPr>
+                            <m:t> </m:t>
+                          </m:r>
+                        </m:e>
+                      </m:acc>
+                      <m:r>
+                        <m:rPr>
+                          <m:nor/>
+                        </m:rPr>
+                        <a:rPr lang="en-PH" sz="3000" b="1" dirty="0">
+                          <a:latin typeface="Cambria Math" panose="02040503050406030204" pitchFamily="18" charset="0"/>
+                          <a:ea typeface="Cambria Math" panose="02040503050406030204" pitchFamily="18" charset="0"/>
+                        </a:rPr>
+                        <m:t> − </m:t>
+                      </m:r>
+                      <m:r>
+                        <m:rPr>
+                          <m:nor/>
+                        </m:rPr>
+                        <a:rPr lang="en-PH" sz="3000" b="1" dirty="0">
+                          <a:latin typeface="Cambria Math" panose="02040503050406030204" pitchFamily="18" charset="0"/>
+                          <a:ea typeface="Cambria Math" panose="02040503050406030204" pitchFamily="18" charset="0"/>
+                        </a:rPr>
+                        <m:t>b</m:t>
+                      </m:r>
+                      <m:r>
+                        <m:rPr>
+                          <m:nor/>
+                        </m:rPr>
+                        <a:rPr lang="en-PH" sz="3000" b="1" dirty="0">
+                          <a:latin typeface="Cambria Math" panose="02040503050406030204" pitchFamily="18" charset="0"/>
+                          <a:ea typeface="Cambria Math" panose="02040503050406030204" pitchFamily="18" charset="0"/>
+                        </a:rPr>
+                        <m:t> ≤ −1, </m:t>
+                      </m:r>
+                      <m:r>
+                        <a:rPr lang="en-US" sz="3000" b="1" i="1" dirty="0" smtClean="0">
+                          <a:latin typeface="Cambria Math" panose="02040503050406030204" pitchFamily="18" charset="0"/>
+                          <a:ea typeface="Cambria Math" panose="02040503050406030204" pitchFamily="18" charset="0"/>
+                        </a:rPr>
+                        <m:t>𝒊𝒇</m:t>
+                      </m:r>
+                      <m:r>
+                        <a:rPr lang="en-US" sz="3000" b="1" i="1" dirty="0" smtClean="0">
+                          <a:latin typeface="Cambria Math" panose="02040503050406030204" pitchFamily="18" charset="0"/>
+                          <a:ea typeface="Cambria Math" panose="02040503050406030204" pitchFamily="18" charset="0"/>
+                        </a:rPr>
+                        <m:t> </m:t>
+                      </m:r>
+                      <m:sSub>
+                        <m:sSubPr>
+                          <m:ctrlPr>
+                            <a:rPr lang="en-US" sz="3000" b="1" i="1" dirty="0">
+                              <a:latin typeface="Cambria Math" panose="02040503050406030204" pitchFamily="18" charset="0"/>
+                              <a:ea typeface="Cambria Math" panose="02040503050406030204" pitchFamily="18" charset="0"/>
+                            </a:rPr>
+                          </m:ctrlPr>
+                        </m:sSubPr>
+                        <m:e>
+                          <m:r>
+                            <a:rPr lang="en-US" sz="3000" b="1" i="1" dirty="0">
+                              <a:latin typeface="Cambria Math" panose="02040503050406030204" pitchFamily="18" charset="0"/>
+                              <a:ea typeface="Cambria Math" panose="02040503050406030204" pitchFamily="18" charset="0"/>
+                            </a:rPr>
+                            <m:t>𝒚</m:t>
+                          </m:r>
+                        </m:e>
+                        <m:sub>
+                          <m:r>
+                            <a:rPr lang="en-US" sz="3000" b="1" i="1" dirty="0">
+                              <a:latin typeface="Cambria Math" panose="02040503050406030204" pitchFamily="18" charset="0"/>
+                              <a:ea typeface="Cambria Math" panose="02040503050406030204" pitchFamily="18" charset="0"/>
+                            </a:rPr>
+                            <m:t>𝒊</m:t>
+                          </m:r>
+                        </m:sub>
+                      </m:sSub>
+                      <m:r>
+                        <m:rPr>
+                          <m:nor/>
+                        </m:rPr>
+                        <a:rPr lang="en-US" sz="3000" b="1" dirty="0">
+                          <a:latin typeface="Cambria Math" panose="02040503050406030204" pitchFamily="18" charset="0"/>
+                          <a:ea typeface="Cambria Math" panose="02040503050406030204" pitchFamily="18" charset="0"/>
+                        </a:rPr>
+                        <m:t> = </m:t>
+                      </m:r>
+                      <m:r>
+                        <m:rPr>
+                          <m:nor/>
+                        </m:rPr>
+                        <a:rPr lang="en-US" sz="3000" b="1" dirty="0">
+                          <a:solidFill>
+                            <a:srgbClr val="FF0000"/>
+                          </a:solidFill>
+                          <a:latin typeface="Cambria Math" panose="02040503050406030204" pitchFamily="18" charset="0"/>
+                          <a:ea typeface="Cambria Math" panose="02040503050406030204" pitchFamily="18" charset="0"/>
+                        </a:rPr>
+                        <m:t>−1</m:t>
+                      </m:r>
+                    </m:oMath>
+                  </m:oMathPara>
+                </a14:m>
+                <a:endParaRPr lang="en-PH" sz="3000" b="1" dirty="0">
+                  <a:latin typeface="Cambria Math" panose="02040503050406030204" pitchFamily="18" charset="0"/>
+                  <a:ea typeface="Cambria Math" panose="02040503050406030204" pitchFamily="18" charset="0"/>
+                </a:endParaRPr>
+              </a:p>
+            </p:txBody>
+          </p:sp>
+        </mc:Choice>
+        <mc:Fallback xmlns="">
+          <p:sp>
+            <p:nvSpPr>
+              <p:cNvPr id="3" name="TextBox 2">
+                <a:extLst>
+                  <a:ext uri="{FF2B5EF4-FFF2-40B4-BE49-F238E27FC236}">
+                    <a16:creationId xmlns:a16="http://schemas.microsoft.com/office/drawing/2014/main" id="{248E754D-0A9C-3D12-8B2F-90BFA7408009}"/>
+                  </a:ext>
+                </a:extLst>
+              </p:cNvPr>
+              <p:cNvSpPr txBox="1">
+                <a:spLocks noRot="1" noChangeAspect="1" noMove="1" noResize="1" noEditPoints="1" noAdjustHandles="1" noChangeArrowheads="1" noChangeShapeType="1" noTextEdit="1"/>
+              </p:cNvSpPr>
+              <p:nvPr/>
+            </p:nvSpPr>
+            <p:spPr>
+              <a:xfrm>
+                <a:off x="748145" y="1335188"/>
+                <a:ext cx="10907486" cy="1754326"/>
+              </a:xfrm>
+              <a:prstGeom prst="rect">
+                <a:avLst/>
+              </a:prstGeom>
+              <a:blipFill>
+                <a:blip r:embed="rId4"/>
+                <a:stretch>
+                  <a:fillRect/>
+                </a:stretch>
+              </a:blipFill>
+            </p:spPr>
+            <p:txBody>
+              <a:bodyPr/>
+              <a:lstStyle/>
+              <a:p>
+                <a:r>
+                  <a:rPr lang="en-PH">
+                    <a:noFill/>
+                  </a:rPr>
+                  <a:t> </a:t>
+                </a:r>
+              </a:p>
+            </p:txBody>
+          </p:sp>
+        </mc:Fallback>
+      </mc:AlternateContent>
+      <mc:AlternateContent xmlns:mc="http://schemas.openxmlformats.org/markup-compatibility/2006" xmlns:a14="http://schemas.microsoft.com/office/drawing/2010/main">
+        <mc:Choice Requires="a14">
+          <p:sp>
+            <p:nvSpPr>
+              <p:cNvPr id="9" name="TextBox 8">
+                <a:extLst>
+                  <a:ext uri="{FF2B5EF4-FFF2-40B4-BE49-F238E27FC236}">
+                    <a16:creationId xmlns:a16="http://schemas.microsoft.com/office/drawing/2014/main" id="{746627C4-C65A-5AA4-F619-5A9BD334DAFF}"/>
+                  </a:ext>
+                </a:extLst>
+              </p:cNvPr>
+              <p:cNvSpPr txBox="1"/>
+              <p:nvPr/>
+            </p:nvSpPr>
+            <p:spPr>
+              <a:xfrm>
+                <a:off x="3041070" y="4517389"/>
+                <a:ext cx="6109854" cy="553998"/>
+              </a:xfrm>
+              <a:prstGeom prst="rect">
+                <a:avLst/>
+              </a:prstGeom>
+              <a:noFill/>
+            </p:spPr>
+            <p:txBody>
+              <a:bodyPr wrap="square">
+                <a:spAutoFit/>
+              </a:bodyPr>
+              <a:lstStyle/>
+              <a:p>
+                <a:pPr/>
+                <a14:m>
+                  <m:oMathPara xmlns:m="http://schemas.openxmlformats.org/officeDocument/2006/math">
+                    <m:oMathParaPr>
+                      <m:jc m:val="centerGroup"/>
+                    </m:oMathParaPr>
+                    <m:oMath xmlns:m="http://schemas.openxmlformats.org/officeDocument/2006/math">
+                      <m:sSub>
+                        <m:sSubPr>
+                          <m:ctrlPr>
+                            <a:rPr lang="en-US" sz="3000" b="1" i="1" smtClean="0">
+                              <a:latin typeface="Cambria Math" panose="02040503050406030204" pitchFamily="18" charset="0"/>
+                              <a:ea typeface="Cambria Math" panose="02040503050406030204" pitchFamily="18" charset="0"/>
+                            </a:rPr>
+                          </m:ctrlPr>
+                        </m:sSubPr>
+                        <m:e>
+                          <m:r>
+                            <a:rPr lang="en-US" sz="3000" b="1" i="1">
+                              <a:latin typeface="Cambria Math" panose="02040503050406030204" pitchFamily="18" charset="0"/>
+                              <a:ea typeface="Cambria Math" panose="02040503050406030204" pitchFamily="18" charset="0"/>
+                            </a:rPr>
+                            <m:t>𝒚</m:t>
+                          </m:r>
+                        </m:e>
+                        <m:sub>
+                          <m:r>
+                            <a:rPr lang="en-US" sz="3000" b="1" i="1">
+                              <a:latin typeface="Cambria Math" panose="02040503050406030204" pitchFamily="18" charset="0"/>
+                              <a:ea typeface="Cambria Math" panose="02040503050406030204" pitchFamily="18" charset="0"/>
+                            </a:rPr>
+                            <m:t>𝒊</m:t>
+                          </m:r>
+                        </m:sub>
+                      </m:sSub>
+                      <m:r>
+                        <m:rPr>
+                          <m:nor/>
+                        </m:rPr>
+                        <a:rPr lang="en-PH" sz="3000" b="1" dirty="0">
+                          <a:latin typeface="Cambria Math" panose="02040503050406030204" pitchFamily="18" charset="0"/>
+                          <a:ea typeface="Cambria Math" panose="02040503050406030204" pitchFamily="18" charset="0"/>
+                        </a:rPr>
+                        <m:t>(</m:t>
+                      </m:r>
+                      <m:acc>
+                        <m:accPr>
+                          <m:chr m:val="⃗"/>
+                          <m:ctrlPr>
+                            <a:rPr lang="en-US" sz="3000" b="1" i="1" dirty="0">
+                              <a:latin typeface="Cambria Math" panose="02040503050406030204" pitchFamily="18" charset="0"/>
+                              <a:ea typeface="Cambria Math" panose="02040503050406030204" pitchFamily="18" charset="0"/>
+                            </a:rPr>
+                          </m:ctrlPr>
+                        </m:accPr>
+                        <m:e>
+                          <m:r>
+                            <a:rPr lang="en-US" sz="3000" b="1" i="1">
+                              <a:latin typeface="Cambria Math" panose="02040503050406030204" pitchFamily="18" charset="0"/>
+                              <a:ea typeface="Cambria Math" panose="02040503050406030204" pitchFamily="18" charset="0"/>
+                            </a:rPr>
+                            <m:t>𝒘</m:t>
+                          </m:r>
+                        </m:e>
+                      </m:acc>
+                      <m:r>
+                        <m:rPr>
+                          <m:nor/>
+                        </m:rPr>
+                        <a:rPr lang="en-PH" sz="3000" b="1" dirty="0">
+                          <a:latin typeface="Cambria Math" panose="02040503050406030204" pitchFamily="18" charset="0"/>
+                          <a:ea typeface="Cambria Math" panose="02040503050406030204" pitchFamily="18" charset="0"/>
+                        </a:rPr>
+                        <m:t> ⋅ </m:t>
+                      </m:r>
+                      <m:r>
+                        <a:rPr lang="en-US" sz="3000" b="1" dirty="0">
+                          <a:latin typeface="Cambria Math" panose="02040503050406030204" pitchFamily="18" charset="0"/>
+                          <a:ea typeface="Cambria Math" panose="02040503050406030204" pitchFamily="18" charset="0"/>
+                        </a:rPr>
+                        <m:t> </m:t>
+                      </m:r>
+                      <m:acc>
+                        <m:accPr>
+                          <m:chr m:val="⃗"/>
+                          <m:ctrlPr>
+                            <a:rPr lang="en-US" sz="3000" b="1" i="1" dirty="0">
+                              <a:latin typeface="Cambria Math" panose="02040503050406030204" pitchFamily="18" charset="0"/>
+                              <a:ea typeface="Cambria Math" panose="02040503050406030204" pitchFamily="18" charset="0"/>
+                            </a:rPr>
+                          </m:ctrlPr>
+                        </m:accPr>
+                        <m:e>
+                          <m:sSub>
+                            <m:sSubPr>
+                              <m:ctrlPr>
+                                <a:rPr lang="en-US" sz="3000" b="1" i="1">
+                                  <a:latin typeface="Cambria Math" panose="02040503050406030204" pitchFamily="18" charset="0"/>
+                                  <a:ea typeface="Cambria Math" panose="02040503050406030204" pitchFamily="18" charset="0"/>
+                                </a:rPr>
+                              </m:ctrlPr>
+                            </m:sSubPr>
+                            <m:e>
+                              <m:r>
+                                <a:rPr lang="en-US" sz="3000" b="1" i="1">
+                                  <a:latin typeface="Cambria Math" panose="02040503050406030204" pitchFamily="18" charset="0"/>
+                                  <a:ea typeface="Cambria Math" panose="02040503050406030204" pitchFamily="18" charset="0"/>
+                                </a:rPr>
+                                <m:t>𝒙</m:t>
+                              </m:r>
+                            </m:e>
+                            <m:sub>
+                              <m:r>
+                                <a:rPr lang="en-US" sz="3000" b="1" i="1">
+                                  <a:latin typeface="Cambria Math" panose="02040503050406030204" pitchFamily="18" charset="0"/>
+                                  <a:ea typeface="Cambria Math" panose="02040503050406030204" pitchFamily="18" charset="0"/>
+                                </a:rPr>
+                                <m:t>𝒊</m:t>
+                              </m:r>
+                            </m:sub>
+                          </m:sSub>
+                        </m:e>
+                      </m:acc>
+                      <m:r>
+                        <m:rPr>
+                          <m:nor/>
+                        </m:rPr>
+                        <a:rPr lang="en-PH" sz="3000" b="1" dirty="0">
+                          <a:latin typeface="Cambria Math" panose="02040503050406030204" pitchFamily="18" charset="0"/>
+                          <a:ea typeface="Cambria Math" panose="02040503050406030204" pitchFamily="18" charset="0"/>
+                        </a:rPr>
+                        <m:t> − </m:t>
+                      </m:r>
+                      <m:r>
+                        <m:rPr>
+                          <m:nor/>
+                        </m:rPr>
+                        <a:rPr lang="en-PH" sz="3000" b="1" dirty="0">
+                          <a:latin typeface="Cambria Math" panose="02040503050406030204" pitchFamily="18" charset="0"/>
+                          <a:ea typeface="Cambria Math" panose="02040503050406030204" pitchFamily="18" charset="0"/>
+                        </a:rPr>
+                        <m:t>b</m:t>
+                      </m:r>
+                      <m:r>
+                        <m:rPr>
+                          <m:nor/>
+                        </m:rPr>
+                        <a:rPr lang="en-PH" sz="3000" b="1" dirty="0">
+                          <a:latin typeface="Cambria Math" panose="02040503050406030204" pitchFamily="18" charset="0"/>
+                          <a:ea typeface="Cambria Math" panose="02040503050406030204" pitchFamily="18" charset="0"/>
+                        </a:rPr>
+                        <m:t>)</m:t>
+                      </m:r>
+                      <m:r>
+                        <m:rPr>
+                          <m:nor/>
+                        </m:rPr>
+                        <a:rPr lang="en-US" sz="3000" b="1" i="0" dirty="0" smtClean="0">
+                          <a:latin typeface="Cambria Math" panose="02040503050406030204" pitchFamily="18" charset="0"/>
+                          <a:ea typeface="Cambria Math" panose="02040503050406030204" pitchFamily="18" charset="0"/>
+                        </a:rPr>
+                        <m:t> </m:t>
+                      </m:r>
+                      <m:r>
+                        <m:rPr>
+                          <m:nor/>
+                        </m:rPr>
+                        <a:rPr lang="en-PH" sz="3000" b="1" dirty="0">
+                          <a:latin typeface="Cambria Math" panose="02040503050406030204" pitchFamily="18" charset="0"/>
+                          <a:ea typeface="Cambria Math" panose="02040503050406030204" pitchFamily="18" charset="0"/>
+                        </a:rPr>
+                        <m:t>≥ +1</m:t>
+                      </m:r>
+                    </m:oMath>
+                  </m:oMathPara>
+                </a14:m>
+                <a:endParaRPr lang="en-PH" sz="3000" b="1" dirty="0">
+                  <a:latin typeface="Cambria Math" panose="02040503050406030204" pitchFamily="18" charset="0"/>
+                  <a:ea typeface="Cambria Math" panose="02040503050406030204" pitchFamily="18" charset="0"/>
+                </a:endParaRPr>
+              </a:p>
+            </p:txBody>
+          </p:sp>
+        </mc:Choice>
+        <mc:Fallback xmlns="">
+          <p:sp>
+            <p:nvSpPr>
+              <p:cNvPr id="9" name="TextBox 8">
+                <a:extLst>
+                  <a:ext uri="{FF2B5EF4-FFF2-40B4-BE49-F238E27FC236}">
+                    <a16:creationId xmlns:a16="http://schemas.microsoft.com/office/drawing/2014/main" id="{746627C4-C65A-5AA4-F619-5A9BD334DAFF}"/>
+                  </a:ext>
+                </a:extLst>
+              </p:cNvPr>
+              <p:cNvSpPr txBox="1">
+                <a:spLocks noRot="1" noChangeAspect="1" noMove="1" noResize="1" noEditPoints="1" noAdjustHandles="1" noChangeArrowheads="1" noChangeShapeType="1" noTextEdit="1"/>
+              </p:cNvSpPr>
+              <p:nvPr/>
+            </p:nvSpPr>
+            <p:spPr>
+              <a:xfrm>
+                <a:off x="3041070" y="4517389"/>
+                <a:ext cx="6109854" cy="553998"/>
+              </a:xfrm>
+              <a:prstGeom prst="rect">
+                <a:avLst/>
+              </a:prstGeom>
+              <a:blipFill>
+                <a:blip r:embed="rId5"/>
+                <a:stretch>
+                  <a:fillRect/>
+                </a:stretch>
+              </a:blipFill>
+            </p:spPr>
+            <p:txBody>
+              <a:bodyPr/>
+              <a:lstStyle/>
+              <a:p>
+                <a:r>
+                  <a:rPr lang="en-PH">
+                    <a:noFill/>
+                  </a:rPr>
+                  <a:t> </a:t>
+                </a:r>
+              </a:p>
+            </p:txBody>
+          </p:sp>
+        </mc:Fallback>
+      </mc:AlternateContent>
+    </p:spTree>
+    <p:extLst>
+      <p:ext uri="{BB962C8B-B14F-4D97-AF65-F5344CB8AC3E}">
+        <p14:creationId xmlns:p14="http://schemas.microsoft.com/office/powerpoint/2010/main" val="1326282030"/>
+      </p:ext>
+    </p:extLst>
+  </p:cSld>
+  <p:clrMapOvr>
+    <a:masterClrMapping/>
+  </p:clrMapOvr>
+  <p:timing>
+    <p:tnLst>
+      <p:par>
+        <p:cTn id="1" dur="indefinite" restart="never" nodeType="tmRoot">
+          <p:childTnLst>
+            <p:seq concurrent="1" nextAc="seek">
+              <p:cTn id="2" dur="indefinite" nodeType="mainSeq">
+                <p:childTnLst>
+                  <p:par>
+                    <p:cTn id="3" fill="hold">
+                      <p:stCondLst>
+                        <p:cond delay="indefinite"/>
+                      </p:stCondLst>
+                      <p:childTnLst>
+                        <p:par>
+                          <p:cTn id="4" fill="hold">
+                            <p:stCondLst>
+                              <p:cond delay="0"/>
+                            </p:stCondLst>
+                            <p:childTnLst>
+                              <p:par>
+                                <p:cTn id="5" presetID="10" presetClass="entr" presetSubtype="0" fill="hold" grpId="0" nodeType="clickEffect">
+                                  <p:stCondLst>
+                                    <p:cond delay="0"/>
+                                  </p:stCondLst>
+                                  <p:childTnLst>
+                                    <p:set>
+                                      <p:cBhvr>
+                                        <p:cTn id="6" dur="1" fill="hold">
+                                          <p:stCondLst>
+                                            <p:cond delay="0"/>
+                                          </p:stCondLst>
+                                        </p:cTn>
+                                        <p:tgtEl>
+                                          <p:spTgt spid="9"/>
+                                        </p:tgtEl>
+                                        <p:attrNameLst>
+                                          <p:attrName>style.visibility</p:attrName>
+                                        </p:attrNameLst>
+                                      </p:cBhvr>
+                                      <p:to>
+                                        <p:strVal val="visible"/>
+                                      </p:to>
+                                    </p:set>
+                                    <p:animEffect transition="in" filter="fade">
+                                      <p:cBhvr>
+                                        <p:cTn id="7" dur="500"/>
+                                        <p:tgtEl>
+                                          <p:spTgt spid="9"/>
+                                        </p:tgtEl>
+                                      </p:cBhvr>
+                                    </p:animEffect>
+                                  </p:childTnLst>
+                                </p:cTn>
+                              </p:par>
+                            </p:childTnLst>
+                          </p:cTn>
+                        </p:par>
+                      </p:childTnLst>
+                    </p:cTn>
+                  </p:par>
+                </p:childTnLst>
+              </p:cTn>
+              <p:prevCondLst>
+                <p:cond evt="onPrev" delay="0">
+                  <p:tgtEl>
+                    <p:sldTgt/>
+                  </p:tgtEl>
+                </p:cond>
+              </p:prevCondLst>
+              <p:nextCondLst>
+                <p:cond evt="onNext" delay="0">
+                  <p:tgtEl>
+                    <p:sldTgt/>
+                  </p:tgtEl>
+                </p:cond>
+              </p:nextCondLst>
+            </p:seq>
+          </p:childTnLst>
+        </p:cTn>
+      </p:par>
+    </p:tnLst>
+    <p:bldLst>
+      <p:bldP spid="9" grpId="0"/>
+    </p:bldLst>
+  </p:timing>
+</p:sld>
+</file>
+
+<file path=ppt/slides/slide14.xml><?xml version="1.0" encoding="utf-8"?>
+<p:sld xmlns:a="http://schemas.openxmlformats.org/drawingml/2006/main" xmlns:r="http://schemas.openxmlformats.org/officeDocument/2006/relationships" xmlns:p="http://schemas.openxmlformats.org/presentationml/2006/main">
+  <p:cSld>
+    <p:bg>
+      <p:bgPr>
+        <a:blipFill dpi="0" rotWithShape="1">
+          <a:blip r:embed="rId3">
+            <a:alphaModFix amt="99000"/>
+            <a:lum/>
+          </a:blip>
+          <a:srcRect/>
+          <a:stretch>
+            <a:fillRect t="89000" r="85000" b="-1000"/>
+          </a:stretch>
+        </a:blipFill>
+        <a:effectLst/>
+      </p:bgPr>
+    </p:bg>
+    <p:spTree>
+      <p:nvGrpSpPr>
+        <p:cNvPr id="1" name=""/>
+        <p:cNvGrpSpPr/>
+        <p:nvPr/>
+      </p:nvGrpSpPr>
+      <p:grpSpPr>
+        <a:xfrm>
+          <a:off x="0" y="0"/>
+          <a:ext cx="0" cy="0"/>
+          <a:chOff x="0" y="0"/>
+          <a:chExt cx="0" cy="0"/>
+        </a:xfrm>
+      </p:grpSpPr>
+      <p:sp>
+        <p:nvSpPr>
+          <p:cNvPr id="4" name="Footer Placeholder 3">
+            <a:extLst>
+              <a:ext uri="{FF2B5EF4-FFF2-40B4-BE49-F238E27FC236}">
+                <a16:creationId xmlns:a16="http://schemas.microsoft.com/office/drawing/2014/main" id="{638E7DE1-45EE-476A-A474-0F3C264AEDA3}"/>
+              </a:ext>
+            </a:extLst>
+          </p:cNvPr>
+          <p:cNvSpPr>
+            <a:spLocks noGrp="1"/>
+          </p:cNvSpPr>
+          <p:nvPr>
+            <p:ph type="ftr" sz="quarter" idx="11"/>
+          </p:nvPr>
+        </p:nvSpPr>
+        <p:spPr>
+          <a:xfrm>
+            <a:off x="0" y="6139541"/>
+            <a:ext cx="12192000" cy="718459"/>
+          </a:xfrm>
+          <a:ln w="28575">
+            <a:solidFill>
+              <a:schemeClr val="accent5">
+                <a:lumMod val="50000"/>
+              </a:schemeClr>
+            </a:solidFill>
+          </a:ln>
+        </p:spPr>
+        <p:txBody>
+          <a:bodyPr/>
+          <a:lstStyle/>
+          <a:p>
+            <a:pPr algn="r"/>
+            <a:r>
+              <a:rPr lang="en-US" b="1">
+                <a:solidFill>
+                  <a:schemeClr val="tx1"/>
+                </a:solidFill>
+              </a:rPr>
+              <a:t>CCMACLRL</a:t>
+            </a:r>
+            <a:endParaRPr lang="en-PH" dirty="0"/>
+          </a:p>
+        </p:txBody>
+      </p:sp>
+      <p:sp>
+        <p:nvSpPr>
+          <p:cNvPr id="5" name="Title 1">
+            <a:extLst>
+              <a:ext uri="{FF2B5EF4-FFF2-40B4-BE49-F238E27FC236}">
+                <a16:creationId xmlns:a16="http://schemas.microsoft.com/office/drawing/2014/main" id="{3444037F-B658-D82C-5DCA-53E8AA1493D7}"/>
+              </a:ext>
+            </a:extLst>
+          </p:cNvPr>
+          <p:cNvSpPr txBox="1">
+            <a:spLocks/>
+          </p:cNvSpPr>
+          <p:nvPr/>
+        </p:nvSpPr>
+        <p:spPr>
+          <a:xfrm>
+            <a:off x="459203" y="1035133"/>
+            <a:ext cx="11273589" cy="4290585"/>
+          </a:xfrm>
+          <a:prstGeom prst="rect">
+            <a:avLst/>
+          </a:prstGeom>
+        </p:spPr>
+        <p:txBody>
+          <a:bodyPr vert="horz" lIns="91440" tIns="45720" rIns="91440" bIns="45720" rtlCol="0" anchor="b">
+            <a:normAutofit fontScale="97500"/>
+          </a:bodyPr>
+          <a:lstStyle>
+            <a:lvl1pPr algn="ctr" defTabSz="914400" rtl="0" eaLnBrk="1" latinLnBrk="0" hangingPunct="1">
+              <a:lnSpc>
+                <a:spcPct val="90000"/>
+              </a:lnSpc>
+              <a:spcBef>
+                <a:spcPct val="0"/>
+              </a:spcBef>
+              <a:buNone/>
+              <a:defRPr sz="6000" kern="1200">
+                <a:solidFill>
+                  <a:schemeClr val="tx1"/>
+                </a:solidFill>
+                <a:latin typeface="+mj-lt"/>
+                <a:ea typeface="+mj-ea"/>
+                <a:cs typeface="+mj-cs"/>
+              </a:defRPr>
+            </a:lvl1pPr>
+          </a:lstStyle>
+          <a:p>
+            <a:pPr algn="l"/>
+            <a:endParaRPr lang="en-US" sz="2800" dirty="0">
+              <a:solidFill>
+                <a:srgbClr val="636C8B"/>
+              </a:solidFill>
+              <a:latin typeface="Calibri Light (Headings)"/>
+            </a:endParaRPr>
+          </a:p>
+          <a:p>
+            <a:pPr algn="l"/>
+            <a:endParaRPr lang="en-US" sz="2800" dirty="0">
+              <a:solidFill>
+                <a:srgbClr val="636C8B"/>
+              </a:solidFill>
+              <a:latin typeface="Calibri Light (Headings)"/>
+            </a:endParaRPr>
+          </a:p>
+          <a:p>
+            <a:pPr algn="l"/>
+            <a:endParaRPr lang="en-US" sz="2800" dirty="0">
+              <a:solidFill>
+                <a:srgbClr val="636C8B"/>
+              </a:solidFill>
+              <a:latin typeface="Calibri Light (Headings)"/>
+            </a:endParaRPr>
+          </a:p>
+          <a:p>
+            <a:pPr algn="l"/>
+            <a:endParaRPr lang="en-US" sz="2800" dirty="0">
+              <a:solidFill>
+                <a:srgbClr val="636C8B"/>
+              </a:solidFill>
+              <a:latin typeface="Calibri Light (Headings)"/>
+            </a:endParaRPr>
+          </a:p>
+          <a:p>
+            <a:pPr algn="l"/>
+            <a:endParaRPr lang="en-US" sz="2800" dirty="0">
+              <a:solidFill>
+                <a:srgbClr val="636C8B"/>
+              </a:solidFill>
+              <a:latin typeface="Calibri Light (Headings)"/>
+            </a:endParaRPr>
+          </a:p>
+          <a:p>
+            <a:pPr algn="l"/>
+            <a:endParaRPr lang="en-US" sz="2800" dirty="0">
+              <a:solidFill>
+                <a:srgbClr val="636C8B"/>
+              </a:solidFill>
+              <a:latin typeface="Calibri Light (Headings)"/>
+            </a:endParaRPr>
+          </a:p>
+          <a:p>
+            <a:pPr algn="l"/>
+            <a:endParaRPr lang="en-US" sz="2800" dirty="0">
+              <a:solidFill>
+                <a:srgbClr val="636C8B"/>
+              </a:solidFill>
+              <a:latin typeface="Calibri Light (Headings)"/>
+            </a:endParaRPr>
+          </a:p>
+        </p:txBody>
+      </p:sp>
+      <p:sp>
+        <p:nvSpPr>
+          <p:cNvPr id="30" name="Title 1">
+            <a:extLst>
+              <a:ext uri="{FF2B5EF4-FFF2-40B4-BE49-F238E27FC236}">
+                <a16:creationId xmlns:a16="http://schemas.microsoft.com/office/drawing/2014/main" id="{CC6F9EBE-E470-10A5-2876-561F5BC5703F}"/>
+              </a:ext>
+            </a:extLst>
+          </p:cNvPr>
+          <p:cNvSpPr>
+            <a:spLocks noGrp="1"/>
+          </p:cNvSpPr>
+          <p:nvPr>
+            <p:ph type="ctrTitle"/>
+          </p:nvPr>
+        </p:nvSpPr>
+        <p:spPr>
+          <a:xfrm>
+            <a:off x="459203" y="241266"/>
+            <a:ext cx="11273589" cy="718459"/>
+          </a:xfrm>
+        </p:spPr>
+        <p:txBody>
+          <a:bodyPr>
+            <a:noAutofit/>
+          </a:bodyPr>
+          <a:lstStyle/>
+          <a:p>
+            <a:r>
+              <a:rPr lang="en-US" sz="5000" b="1" dirty="0"/>
+              <a:t>Hard Margin SVM Equation</a:t>
+            </a:r>
+            <a:endParaRPr lang="en-PH" sz="5000" b="1" dirty="0"/>
+          </a:p>
+        </p:txBody>
+      </p:sp>
+      <p:sp>
+        <p:nvSpPr>
+          <p:cNvPr id="23" name="TextBox 22">
+            <a:extLst>
+              <a:ext uri="{FF2B5EF4-FFF2-40B4-BE49-F238E27FC236}">
+                <a16:creationId xmlns:a16="http://schemas.microsoft.com/office/drawing/2014/main" id="{61D3D7BC-76A5-755B-4DAA-F0FAE606B511}"/>
+              </a:ext>
+            </a:extLst>
+          </p:cNvPr>
+          <p:cNvSpPr txBox="1"/>
+          <p:nvPr/>
+        </p:nvSpPr>
+        <p:spPr>
+          <a:xfrm>
+            <a:off x="1739897" y="1035133"/>
+            <a:ext cx="8712200" cy="1677382"/>
+          </a:xfrm>
+          <a:prstGeom prst="rect">
+            <a:avLst/>
+          </a:prstGeom>
+          <a:noFill/>
+        </p:spPr>
+        <p:txBody>
+          <a:bodyPr wrap="square" rtlCol="0">
+            <a:spAutoFit/>
+          </a:bodyPr>
+          <a:lstStyle/>
+          <a:p>
+            <a:endParaRPr lang="en-PH" sz="2500" b="1" dirty="0">
+              <a:solidFill>
+                <a:schemeClr val="tx1"/>
+              </a:solidFill>
+              <a:latin typeface="Cambria Math" panose="02040503050406030204" pitchFamily="18" charset="0"/>
+              <a:ea typeface="Cambria Math" panose="02040503050406030204" pitchFamily="18" charset="0"/>
+            </a:endParaRPr>
+          </a:p>
+          <a:p>
+            <a:endParaRPr lang="en-PH" sz="2800" b="1" dirty="0">
+              <a:latin typeface="Cambria Math" panose="02040503050406030204" pitchFamily="18" charset="0"/>
+              <a:ea typeface="Cambria Math" panose="02040503050406030204" pitchFamily="18" charset="0"/>
+            </a:endParaRPr>
+          </a:p>
+          <a:p>
+            <a:endParaRPr lang="en-PH" sz="2500" b="1" dirty="0">
+              <a:solidFill>
+                <a:schemeClr val="tx1"/>
+              </a:solidFill>
+              <a:latin typeface="Cambria Math" panose="02040503050406030204" pitchFamily="18" charset="0"/>
+              <a:ea typeface="Cambria Math" panose="02040503050406030204" pitchFamily="18" charset="0"/>
+            </a:endParaRPr>
+          </a:p>
+          <a:p>
+            <a:endParaRPr lang="en-PH" sz="2500" b="1" dirty="0">
+              <a:solidFill>
+                <a:schemeClr val="tx1"/>
+              </a:solidFill>
+              <a:latin typeface="Cambria Math" panose="02040503050406030204" pitchFamily="18" charset="0"/>
+              <a:ea typeface="Cambria Math" panose="02040503050406030204" pitchFamily="18" charset="0"/>
+            </a:endParaRPr>
+          </a:p>
+        </p:txBody>
+      </p:sp>
+      <mc:AlternateContent xmlns:mc="http://schemas.openxmlformats.org/markup-compatibility/2006" xmlns:a14="http://schemas.microsoft.com/office/drawing/2010/main">
+        <mc:Choice Requires="a14">
           <p:sp>
             <p:nvSpPr>
               <p:cNvPr id="9" name="TextBox 8">
@@ -24771,7 +24815,7 @@
             </p:txBody>
           </p:sp>
         </mc:Choice>
-        <mc:Fallback>
+        <mc:Fallback xmlns="">
           <p:sp>
             <p:nvSpPr>
               <p:cNvPr id="9" name="TextBox 8">
@@ -24816,8 +24860,8 @@
           </p:sp>
         </mc:Fallback>
       </mc:AlternateContent>
-      <mc:AlternateContent xmlns:mc="http://schemas.openxmlformats.org/markup-compatibility/2006">
-        <mc:Choice xmlns:a14="http://schemas.microsoft.com/office/drawing/2010/main" Requires="a14">
+      <mc:AlternateContent xmlns:mc="http://schemas.openxmlformats.org/markup-compatibility/2006" xmlns:a14="http://schemas.microsoft.com/office/drawing/2010/main">
+        <mc:Choice Requires="a14">
           <p:sp>
             <p:nvSpPr>
               <p:cNvPr id="2" name="TextBox 1">
@@ -24846,7 +24890,6 @@
               </a:bodyPr>
               <a:lstStyle/>
               <a:p>
-                <a:pPr/>
                 <a14:m>
                   <m:oMath xmlns:m="http://schemas.openxmlformats.org/officeDocument/2006/math">
                     <m:r>
@@ -25044,7 +25087,7 @@
             </p:txBody>
           </p:sp>
         </mc:Choice>
-        <mc:Fallback>
+        <mc:Fallback xmlns="">
           <p:sp>
             <p:nvSpPr>
               <p:cNvPr id="2" name="TextBox 1">
@@ -25089,8 +25132,8 @@
           </p:sp>
         </mc:Fallback>
       </mc:AlternateContent>
-      <mc:AlternateContent xmlns:mc="http://schemas.openxmlformats.org/markup-compatibility/2006">
-        <mc:Choice xmlns:a14="http://schemas.microsoft.com/office/drawing/2010/main" Requires="a14">
+      <mc:AlternateContent xmlns:mc="http://schemas.openxmlformats.org/markup-compatibility/2006" xmlns:a14="http://schemas.microsoft.com/office/drawing/2010/main">
+        <mc:Choice Requires="a14">
           <p:sp>
             <p:nvSpPr>
               <p:cNvPr id="6" name="TextBox 5">
@@ -25200,7 +25243,7 @@
             </p:txBody>
           </p:sp>
         </mc:Choice>
-        <mc:Fallback>
+        <mc:Fallback xmlns="">
           <p:sp>
             <p:nvSpPr>
               <p:cNvPr id="6" name="TextBox 5">
@@ -25416,12 +25459,12 @@
           <a:p>
             <a:pPr algn="r"/>
             <a:r>
-              <a:rPr lang="en-US" b="1" dirty="0">
+              <a:rPr lang="en-US" b="1">
                 <a:solidFill>
                   <a:schemeClr val="tx1"/>
                 </a:solidFill>
               </a:rPr>
-              <a:t>CCADMACL</a:t>
+              <a:t>CCMACLRL</a:t>
             </a:r>
             <a:endParaRPr lang="en-PH" dirty="0"/>
           </a:p>
@@ -25903,12 +25946,12 @@
           <a:p>
             <a:pPr algn="r"/>
             <a:r>
-              <a:rPr lang="en-US" b="1" dirty="0">
+              <a:rPr lang="en-US" b="1">
                 <a:solidFill>
                   <a:schemeClr val="tx1"/>
                 </a:solidFill>
               </a:rPr>
-              <a:t>CCADMACL</a:t>
+              <a:t>CCMACLRL</a:t>
             </a:r>
             <a:endParaRPr lang="en-PH" dirty="0"/>
           </a:p>
@@ -26482,12 +26525,12 @@
           <a:p>
             <a:pPr algn="r"/>
             <a:r>
-              <a:rPr lang="en-US" b="1" dirty="0">
+              <a:rPr lang="en-US" b="1">
                 <a:solidFill>
                   <a:schemeClr val="tx1"/>
                 </a:solidFill>
               </a:rPr>
-              <a:t>CCADMACL</a:t>
+              <a:t>CCMACLRL</a:t>
             </a:r>
             <a:endParaRPr lang="en-PH" dirty="0"/>
           </a:p>
@@ -30343,12 +30386,12 @@
           <a:p>
             <a:pPr algn="r"/>
             <a:r>
-              <a:rPr lang="en-US" b="1" dirty="0">
+              <a:rPr lang="en-US" b="1">
                 <a:solidFill>
                   <a:schemeClr val="tx1"/>
                 </a:solidFill>
               </a:rPr>
-              <a:t>CCADMACL</a:t>
+              <a:t>CCMACLRL</a:t>
             </a:r>
             <a:endParaRPr lang="en-PH" dirty="0"/>
           </a:p>
@@ -31187,12 +31230,12 @@
           <a:p>
             <a:pPr algn="r"/>
             <a:r>
-              <a:rPr lang="en-US" b="1" dirty="0">
+              <a:rPr lang="en-US" b="1">
                 <a:solidFill>
                   <a:schemeClr val="tx1"/>
                 </a:solidFill>
               </a:rPr>
-              <a:t>CCADMACL</a:t>
+              <a:t>CCMACLRL</a:t>
             </a:r>
             <a:endParaRPr lang="en-PH" dirty="0"/>
           </a:p>
@@ -31834,12 +31877,12 @@
           <a:p>
             <a:pPr algn="r"/>
             <a:r>
-              <a:rPr lang="en-US" b="1" dirty="0">
+              <a:rPr lang="en-US" b="1">
                 <a:solidFill>
                   <a:schemeClr val="tx1"/>
                 </a:solidFill>
               </a:rPr>
-              <a:t>CCADMACL</a:t>
+              <a:t>CCMACLRL</a:t>
             </a:r>
             <a:endParaRPr lang="en-PH" dirty="0"/>
           </a:p>
@@ -32282,12 +32325,12 @@
           <a:p>
             <a:pPr algn="r"/>
             <a:r>
-              <a:rPr lang="en-US" b="1" dirty="0">
+              <a:rPr lang="en-US" b="1">
                 <a:solidFill>
                   <a:schemeClr val="tx1"/>
                 </a:solidFill>
               </a:rPr>
-              <a:t>CCADMACL</a:t>
+              <a:t>CCMACLRL</a:t>
             </a:r>
             <a:endParaRPr lang="en-PH" dirty="0"/>
           </a:p>
@@ -34306,12 +34349,12 @@
           <a:p>
             <a:pPr algn="r"/>
             <a:r>
-              <a:rPr lang="en-US" b="1" dirty="0">
+              <a:rPr lang="en-US" b="1">
                 <a:solidFill>
                   <a:schemeClr val="tx1"/>
                 </a:solidFill>
               </a:rPr>
-              <a:t>CCADMACL</a:t>
+              <a:t>CCMACLRL</a:t>
             </a:r>
             <a:endParaRPr lang="en-PH" dirty="0"/>
           </a:p>
@@ -34464,8 +34507,8 @@
           </a:p>
         </p:txBody>
       </p:sp>
-      <mc:AlternateContent xmlns:mc="http://schemas.openxmlformats.org/markup-compatibility/2006">
-        <mc:Choice xmlns:a14="http://schemas.microsoft.com/office/drawing/2010/main" Requires="a14">
+      <mc:AlternateContent xmlns:mc="http://schemas.openxmlformats.org/markup-compatibility/2006" xmlns:a14="http://schemas.microsoft.com/office/drawing/2010/main">
+        <mc:Choice Requires="a14">
           <p:sp>
             <p:nvSpPr>
               <p:cNvPr id="23" name="TextBox 22">
@@ -35212,7 +35255,6 @@
                 </a:endParaRPr>
               </a:p>
               <a:p>
-                <a:pPr/>
                 <a:endParaRPr lang="en-US" sz="2500" b="1" i="1" dirty="0">
                   <a:solidFill>
                     <a:srgbClr val="0070C0"/>
@@ -35353,7 +35395,7 @@
             </p:txBody>
           </p:sp>
         </mc:Choice>
-        <mc:Fallback>
+        <mc:Fallback xmlns="">
           <p:sp>
             <p:nvSpPr>
               <p:cNvPr id="23" name="TextBox 22">
@@ -35398,8 +35440,8 @@
           </p:sp>
         </mc:Fallback>
       </mc:AlternateContent>
-      <mc:AlternateContent xmlns:mc="http://schemas.openxmlformats.org/markup-compatibility/2006">
-        <mc:Choice xmlns:a14="http://schemas.microsoft.com/office/drawing/2010/main" Requires="a14">
+      <mc:AlternateContent xmlns:mc="http://schemas.openxmlformats.org/markup-compatibility/2006" xmlns:a14="http://schemas.microsoft.com/office/drawing/2010/main">
+        <mc:Choice Requires="a14">
           <p:sp>
             <p:nvSpPr>
               <p:cNvPr id="34" name="TextBox 33">
@@ -35535,7 +35577,7 @@
             </p:txBody>
           </p:sp>
         </mc:Choice>
-        <mc:Fallback>
+        <mc:Fallback xmlns="">
           <p:sp>
             <p:nvSpPr>
               <p:cNvPr id="34" name="TextBox 33">
@@ -35746,12 +35788,12 @@
           <a:p>
             <a:pPr algn="r"/>
             <a:r>
-              <a:rPr lang="en-US" b="1" dirty="0">
+              <a:rPr lang="en-US" b="1">
                 <a:solidFill>
                   <a:schemeClr val="tx1"/>
                 </a:solidFill>
               </a:rPr>
-              <a:t>CCADMACL</a:t>
+              <a:t>CCMACLRL</a:t>
             </a:r>
             <a:endParaRPr lang="en-PH" dirty="0"/>
           </a:p>
@@ -36345,12 +36387,12 @@
           <a:p>
             <a:pPr algn="r"/>
             <a:r>
-              <a:rPr lang="en-US" b="1" dirty="0">
+              <a:rPr lang="en-US" b="1">
                 <a:solidFill>
                   <a:schemeClr val="tx1"/>
                 </a:solidFill>
               </a:rPr>
-              <a:t>CCADMACL</a:t>
+              <a:t>CCMACLRL</a:t>
             </a:r>
             <a:endParaRPr lang="en-PH" dirty="0"/>
           </a:p>
@@ -39114,12 +39156,12 @@
           <a:p>
             <a:pPr algn="r"/>
             <a:r>
-              <a:rPr lang="en-US" b="1" dirty="0">
+              <a:rPr lang="en-US" b="1">
                 <a:solidFill>
                   <a:schemeClr val="tx1"/>
                 </a:solidFill>
               </a:rPr>
-              <a:t>CCADMACL</a:t>
+              <a:t>CCMACLRL</a:t>
             </a:r>
             <a:endParaRPr lang="en-PH" dirty="0"/>
           </a:p>
@@ -39560,12 +39602,12 @@
           <a:p>
             <a:pPr algn="r"/>
             <a:r>
-              <a:rPr lang="en-US" b="1" dirty="0">
+              <a:rPr lang="en-US" b="1">
                 <a:solidFill>
                   <a:schemeClr val="tx1"/>
                 </a:solidFill>
               </a:rPr>
-              <a:t>CCADMACL</a:t>
+              <a:t>CCMACLRL</a:t>
             </a:r>
             <a:endParaRPr lang="en-PH" dirty="0"/>
           </a:p>
@@ -40388,12 +40430,12 @@
           <a:p>
             <a:pPr algn="r"/>
             <a:r>
-              <a:rPr lang="en-US" b="1" dirty="0">
+              <a:rPr lang="en-US" b="1">
                 <a:solidFill>
                   <a:schemeClr val="tx1"/>
                 </a:solidFill>
               </a:rPr>
-              <a:t>CCADMACL</a:t>
+              <a:t>CCMACLRL</a:t>
             </a:r>
             <a:endParaRPr lang="en-PH" dirty="0"/>
           </a:p>
@@ -41735,12 +41777,12 @@
           <a:p>
             <a:pPr algn="r"/>
             <a:r>
-              <a:rPr lang="en-US" b="1" dirty="0">
+              <a:rPr lang="en-US" b="1">
                 <a:solidFill>
                   <a:schemeClr val="tx1"/>
                 </a:solidFill>
               </a:rPr>
-              <a:t>CCADMACL</a:t>
+              <a:t>CCMACLRL</a:t>
             </a:r>
             <a:endParaRPr lang="en-PH" dirty="0"/>
           </a:p>
@@ -43275,12 +43317,12 @@
           <a:p>
             <a:pPr algn="r"/>
             <a:r>
-              <a:rPr lang="en-US" b="1" dirty="0">
+              <a:rPr lang="en-US" b="1">
                 <a:solidFill>
                   <a:schemeClr val="tx1"/>
                 </a:solidFill>
               </a:rPr>
-              <a:t>CCADMACL</a:t>
+              <a:t>CCMACLRL</a:t>
             </a:r>
             <a:endParaRPr lang="en-PH" dirty="0"/>
           </a:p>
@@ -44749,18 +44791,18 @@
 </file>
 
 <file path=customXml/item2.xml><?xml version="1.0" encoding="utf-8"?>
+<p:properties xmlns:p="http://schemas.microsoft.com/office/2006/metadata/properties" xmlns:xsi="http://www.w3.org/2001/XMLSchema-instance" xmlns:pc="http://schemas.microsoft.com/office/infopath/2007/PartnerControls">
+  <documentManagement/>
+</p:properties>
+</file>
+
+<file path=customXml/item3.xml><?xml version="1.0" encoding="utf-8"?>
 <?mso-contentType ?>
 <FormTemplates xmlns="http://schemas.microsoft.com/sharepoint/v3/contenttype/forms">
   <Display>DocumentLibraryForm</Display>
   <Edit>DocumentLibraryForm</Edit>
   <New>DocumentLibraryForm</New>
 </FormTemplates>
-</file>
-
-<file path=customXml/item3.xml><?xml version="1.0" encoding="utf-8"?>
-<p:properties xmlns:p="http://schemas.microsoft.com/office/2006/metadata/properties" xmlns:xsi="http://www.w3.org/2001/XMLSchema-instance" xmlns:pc="http://schemas.microsoft.com/office/infopath/2007/PartnerControls">
-  <documentManagement/>
-</p:properties>
 </file>
 
 <file path=customXml/itemProps1.xml><?xml version="1.0" encoding="utf-8"?>
@@ -44782,18 +44824,18 @@
 </file>
 
 <file path=customXml/itemProps2.xml><?xml version="1.0" encoding="utf-8"?>
-<ds:datastoreItem xmlns:ds="http://schemas.openxmlformats.org/officeDocument/2006/customXml" ds:itemID="{6C1A3F1B-CE3A-47AB-9F84-47E786467973}">
-  <ds:schemaRefs>
-    <ds:schemaRef ds:uri="http://schemas.microsoft.com/sharepoint/v3/contenttype/forms"/>
-  </ds:schemaRefs>
-</ds:datastoreItem>
-</file>
-
-<file path=customXml/itemProps3.xml><?xml version="1.0" encoding="utf-8"?>
 <ds:datastoreItem xmlns:ds="http://schemas.openxmlformats.org/officeDocument/2006/customXml" ds:itemID="{7ACF14CA-9E7F-410C-99DF-E0FAFDE78C11}">
   <ds:schemaRefs>
     <ds:schemaRef ds:uri="http://schemas.microsoft.com/office/2006/metadata/properties"/>
     <ds:schemaRef ds:uri="http://schemas.microsoft.com/office/infopath/2007/PartnerControls"/>
   </ds:schemaRefs>
 </ds:datastoreItem>
+</file>
+
+<file path=customXml/itemProps3.xml><?xml version="1.0" encoding="utf-8"?>
+<ds:datastoreItem xmlns:ds="http://schemas.openxmlformats.org/officeDocument/2006/customXml" ds:itemID="{6C1A3F1B-CE3A-47AB-9F84-47E786467973}">
+  <ds:schemaRefs>
+    <ds:schemaRef ds:uri="http://schemas.microsoft.com/sharepoint/v3/contenttype/forms"/>
+  </ds:schemaRefs>
+</ds:datastoreItem>
 </file>